--- a/notes/03_xml/03json.pptx
+++ b/notes/03_xml/03json.pptx
@@ -5,10 +5,10 @@
     <p:sldMasterId id="2147483649" r:id="rId1"/>
   </p:sldMasterIdLst>
   <p:notesMasterIdLst>
-    <p:notesMasterId r:id="rId15"/>
+    <p:notesMasterId r:id="rId16"/>
   </p:notesMasterIdLst>
   <p:handoutMasterIdLst>
-    <p:handoutMasterId r:id="rId16"/>
+    <p:handoutMasterId r:id="rId17"/>
   </p:handoutMasterIdLst>
   <p:sldIdLst>
     <p:sldId id="256" r:id="rId2"/>
@@ -23,7 +23,8 @@
     <p:sldId id="377" r:id="rId11"/>
     <p:sldId id="381" r:id="rId12"/>
     <p:sldId id="379" r:id="rId13"/>
-    <p:sldId id="378" r:id="rId14"/>
+    <p:sldId id="384" r:id="rId14"/>
+    <p:sldId id="378" r:id="rId15"/>
   </p:sldIdLst>
   <p:sldSz cx="9144000" cy="6858000" type="screen4x3"/>
   <p:notesSz cx="9601200" cy="7315200"/>
@@ -572,10 +573,10 @@
           </a:ln>
           <a:extLst>
             <a:ext uri="{FAA26D3D-D897-4be2-8F04-BA451C77F1D7}">
-              <ma14:placeholderFlag xmlns:ma14="http://schemas.microsoft.com/office/mac/drawingml/2011/main" xmlns="" val="1"/>
+              <ma14:placeholderFlag xmlns="" xmlns:ma14="http://schemas.microsoft.com/office/mac/drawingml/2011/main" val="1"/>
             </a:ext>
             <a:ext uri="{909E8E84-426E-40dd-AFC4-6F175D3DCCD1}">
-              <a14:hiddenFill xmlns="" xmlns:a14="http://schemas.microsoft.com/office/drawing/2010/main">
+              <a14:hiddenFill xmlns:a14="http://schemas.microsoft.com/office/drawing/2010/main" xmlns="">
                 <a:solidFill>
                   <a:srgbClr val="FFFFFF"/>
                 </a:solidFill>
@@ -923,14 +924,14 @@
           <a:ln/>
           <a:extLst>
             <a:ext uri="{909E8E84-426E-40dd-AFC4-6F175D3DCCD1}">
-              <a14:hiddenFill xmlns="" xmlns:a14="http://schemas.microsoft.com/office/drawing/2010/main">
+              <a14:hiddenFill xmlns:a14="http://schemas.microsoft.com/office/drawing/2010/main" xmlns="">
                 <a:solidFill>
                   <a:srgbClr val="FFFFFF"/>
                 </a:solidFill>
               </a14:hiddenFill>
             </a:ext>
             <a:ext uri="{91240B29-F687-4f45-9708-019B960494DF}">
-              <a14:hiddenLine xmlns="" xmlns:a14="http://schemas.microsoft.com/office/drawing/2010/main" w="9525">
+              <a14:hiddenLine xmlns:a14="http://schemas.microsoft.com/office/drawing/2010/main" xmlns="" w="9525">
                 <a:solidFill>
                   <a:srgbClr val="000000"/>
                 </a:solidFill>
@@ -1095,17 +1096,17 @@
           <a:ln/>
           <a:extLst>
             <a:ext uri="{FAA26D3D-D897-4be2-8F04-BA451C77F1D7}">
-              <ma14:placeholderFlag xmlns:ma14="http://schemas.microsoft.com/office/mac/drawingml/2011/main" xmlns="" val="1"/>
+              <ma14:placeholderFlag xmlns="" xmlns:ma14="http://schemas.microsoft.com/office/mac/drawingml/2011/main" val="1"/>
             </a:ext>
             <a:ext uri="{909E8E84-426E-40dd-AFC4-6F175D3DCCD1}">
-              <a14:hiddenFill xmlns="" xmlns:a14="http://schemas.microsoft.com/office/drawing/2010/main">
+              <a14:hiddenFill xmlns:a14="http://schemas.microsoft.com/office/drawing/2010/main" xmlns="">
                 <a:solidFill>
                   <a:srgbClr val="FFFFFF"/>
                 </a:solidFill>
               </a14:hiddenFill>
             </a:ext>
             <a:ext uri="{91240B29-F687-4f45-9708-019B960494DF}">
-              <a14:hiddenLine xmlns="" xmlns:a14="http://schemas.microsoft.com/office/drawing/2010/main" w="9525">
+              <a14:hiddenLine xmlns:a14="http://schemas.microsoft.com/office/drawing/2010/main" xmlns="" w="9525">
                 <a:solidFill>
                   <a:srgbClr val="000000"/>
                 </a:solidFill>
@@ -1165,14 +1166,14 @@
           <a:ln/>
           <a:extLst>
             <a:ext uri="{909E8E84-426E-40dd-AFC4-6F175D3DCCD1}">
-              <a14:hiddenFill xmlns="" xmlns:a14="http://schemas.microsoft.com/office/drawing/2010/main">
+              <a14:hiddenFill xmlns:a14="http://schemas.microsoft.com/office/drawing/2010/main" xmlns="">
                 <a:solidFill>
                   <a:srgbClr val="FFFFFF"/>
                 </a:solidFill>
               </a14:hiddenFill>
             </a:ext>
             <a:ext uri="{91240B29-F687-4f45-9708-019B960494DF}">
-              <a14:hiddenLine xmlns="" xmlns:a14="http://schemas.microsoft.com/office/drawing/2010/main" w="9525">
+              <a14:hiddenLine xmlns:a14="http://schemas.microsoft.com/office/drawing/2010/main" xmlns="" w="9525">
                 <a:solidFill>
                   <a:srgbClr val="000000"/>
                 </a:solidFill>
@@ -1337,17 +1338,17 @@
           <a:ln/>
           <a:extLst>
             <a:ext uri="{FAA26D3D-D897-4be2-8F04-BA451C77F1D7}">
-              <ma14:placeholderFlag xmlns:ma14="http://schemas.microsoft.com/office/mac/drawingml/2011/main" xmlns="" val="1"/>
+              <ma14:placeholderFlag xmlns="" xmlns:ma14="http://schemas.microsoft.com/office/mac/drawingml/2011/main" val="1"/>
             </a:ext>
             <a:ext uri="{909E8E84-426E-40dd-AFC4-6F175D3DCCD1}">
-              <a14:hiddenFill xmlns="" xmlns:a14="http://schemas.microsoft.com/office/drawing/2010/main">
+              <a14:hiddenFill xmlns:a14="http://schemas.microsoft.com/office/drawing/2010/main" xmlns="">
                 <a:solidFill>
                   <a:srgbClr val="FFFFFF"/>
                 </a:solidFill>
               </a14:hiddenFill>
             </a:ext>
             <a:ext uri="{91240B29-F687-4f45-9708-019B960494DF}">
-              <a14:hiddenLine xmlns="" xmlns:a14="http://schemas.microsoft.com/office/drawing/2010/main" w="9525">
+              <a14:hiddenLine xmlns:a14="http://schemas.microsoft.com/office/drawing/2010/main" xmlns="" w="9525">
                 <a:solidFill>
                   <a:srgbClr val="000000"/>
                 </a:solidFill>
@@ -3212,10 +3213,10 @@
           </a:ln>
           <a:extLst>
             <a:ext uri="{FAA26D3D-D897-4be2-8F04-BA451C77F1D7}">
-              <ma14:placeholderFlag xmlns:ma14="http://schemas.microsoft.com/office/mac/drawingml/2011/main" xmlns="" val="1"/>
+              <ma14:placeholderFlag xmlns="" xmlns:ma14="http://schemas.microsoft.com/office/mac/drawingml/2011/main" val="1"/>
             </a:ext>
             <a:ext uri="{91240B29-F687-4f45-9708-019B960494DF}">
-              <a14:hiddenLine xmlns="" xmlns:a14="http://schemas.microsoft.com/office/drawing/2010/main" w="9525">
+              <a14:hiddenLine xmlns:a14="http://schemas.microsoft.com/office/drawing/2010/main" xmlns="" w="9525">
                 <a:solidFill>
                   <a:srgbClr val="000000"/>
                 </a:solidFill>
@@ -3266,17 +3267,17 @@
           </a:ln>
           <a:extLst>
             <a:ext uri="{FAA26D3D-D897-4be2-8F04-BA451C77F1D7}">
-              <ma14:placeholderFlag xmlns:ma14="http://schemas.microsoft.com/office/mac/drawingml/2011/main" xmlns="" val="1"/>
+              <ma14:placeholderFlag xmlns="" xmlns:ma14="http://schemas.microsoft.com/office/mac/drawingml/2011/main" val="1"/>
             </a:ext>
             <a:ext uri="{909E8E84-426E-40dd-AFC4-6F175D3DCCD1}">
-              <a14:hiddenFill xmlns="" xmlns:a14="http://schemas.microsoft.com/office/drawing/2010/main">
+              <a14:hiddenFill xmlns:a14="http://schemas.microsoft.com/office/drawing/2010/main" xmlns="">
                 <a:solidFill>
                   <a:srgbClr val="FFFFFF"/>
                 </a:solidFill>
               </a14:hiddenFill>
             </a:ext>
             <a:ext uri="{91240B29-F687-4f45-9708-019B960494DF}">
-              <a14:hiddenLine xmlns="" xmlns:a14="http://schemas.microsoft.com/office/drawing/2010/main" w="9525">
+              <a14:hiddenLine xmlns:a14="http://schemas.microsoft.com/office/drawing/2010/main" xmlns="" w="9525">
                 <a:solidFill>
                   <a:srgbClr val="000000"/>
                 </a:solidFill>
@@ -4712,7 +4713,7 @@
             </a:pPr>
             <a:r>
               <a:rPr lang="en-US" sz="2800" dirty="0"/>
-              <a:t>There are many web tools and software packages that can convert between simple xml and JSON representations, e.g.: </a:t>
+              <a:t>There are many web tools (e.g.: </a:t>
             </a:r>
             <a:r>
               <a:rPr lang="en-US" sz="2800" dirty="0">
@@ -4720,7 +4721,20 @@
               </a:rPr>
               <a:t>this one</a:t>
             </a:r>
-            <a:endParaRPr lang="en-US" sz="2800" dirty="0"/>
+            <a:r>
+              <a:rPr lang="en-US" sz="2800" dirty="0"/>
+              <a:t>) and software packages (e.g. </a:t>
+            </a:r>
+            <a:r>
+              <a:rPr lang="en-US" sz="2800" dirty="0">
+                <a:hlinkClick r:id="rId6"/>
+              </a:rPr>
+              <a:t>xml2dict</a:t>
+            </a:r>
+            <a:r>
+              <a:rPr lang="en-US" sz="2800" dirty="0"/>
+              <a:t>) that can convert between simple XML and JSON representations</a:t>
+            </a:r>
           </a:p>
         </p:txBody>
       </p:sp>
@@ -4756,6 +4770,215 @@
       </p:grpSpPr>
       <p:sp>
         <p:nvSpPr>
+          <p:cNvPr id="2" name="Title 1">
+            <a:extLst>
+              <a:ext uri="{FF2B5EF4-FFF2-40B4-BE49-F238E27FC236}">
+                <a16:creationId xmlns:a16="http://schemas.microsoft.com/office/drawing/2014/main" id="{278A9AA5-9A04-3746-8112-EC2EC3467235}"/>
+              </a:ext>
+            </a:extLst>
+          </p:cNvPr>
+          <p:cNvSpPr>
+            <a:spLocks noGrp="1"/>
+          </p:cNvSpPr>
+          <p:nvPr>
+            <p:ph type="title"/>
+          </p:nvPr>
+        </p:nvSpPr>
+        <p:spPr>
+          <a:xfrm>
+            <a:off x="323850" y="260350"/>
+            <a:ext cx="6984454" cy="784225"/>
+          </a:xfrm>
+        </p:spPr>
+        <p:txBody>
+          <a:bodyPr/>
+          <a:lstStyle/>
+          <a:p>
+            <a:r>
+              <a:rPr lang="en-US" dirty="0" err="1"/>
+              <a:t>Jupyter</a:t>
+            </a:r>
+            <a:r>
+              <a:rPr lang="en-US" dirty="0"/>
+              <a:t> Notebook Examples</a:t>
+            </a:r>
+          </a:p>
+        </p:txBody>
+      </p:sp>
+      <p:sp>
+        <p:nvSpPr>
+          <p:cNvPr id="3" name="Content Placeholder 2">
+            <a:extLst>
+              <a:ext uri="{FF2B5EF4-FFF2-40B4-BE49-F238E27FC236}">
+                <a16:creationId xmlns:a16="http://schemas.microsoft.com/office/drawing/2014/main" id="{4F037D07-D955-FA40-A6CA-2B88035B0E58}"/>
+              </a:ext>
+            </a:extLst>
+          </p:cNvPr>
+          <p:cNvSpPr>
+            <a:spLocks noGrp="1"/>
+          </p:cNvSpPr>
+          <p:nvPr>
+            <p:ph idx="1"/>
+          </p:nvPr>
+        </p:nvSpPr>
+        <p:spPr>
+          <a:xfrm>
+            <a:off x="395287" y="1916832"/>
+            <a:ext cx="8353425" cy="3672309"/>
+          </a:xfrm>
+        </p:spPr>
+        <p:txBody>
+          <a:bodyPr/>
+          <a:lstStyle/>
+          <a:p>
+            <a:r>
+              <a:rPr lang="en-US" sz="3200" dirty="0"/>
+              <a:t>Visit </a:t>
+            </a:r>
+            <a:r>
+              <a:rPr lang="en-US" sz="3200" dirty="0">
+                <a:hlinkClick r:id="rId2"/>
+              </a:rPr>
+              <a:t>http://bit.ly/kg19class</a:t>
+            </a:r>
+            <a:r>
+              <a:rPr lang="en-US" sz="3200" dirty="0"/>
+              <a:t> and get clone string</a:t>
+            </a:r>
+          </a:p>
+          <a:p>
+            <a:r>
+              <a:rPr lang="en-US" sz="3200" dirty="0"/>
+              <a:t>Clone this on your computer</a:t>
+            </a:r>
+          </a:p>
+          <a:p>
+            <a:r>
+              <a:rPr lang="en-US" sz="3200" dirty="0"/>
+              <a:t>cd </a:t>
+            </a:r>
+            <a:r>
+              <a:rPr lang="en-US" sz="3200" dirty="0" err="1"/>
+              <a:t>class_material</a:t>
+            </a:r>
+            <a:r>
+              <a:rPr lang="en-US" sz="3200" dirty="0"/>
+              <a:t>/examples/xml/</a:t>
+            </a:r>
+          </a:p>
+          <a:p>
+            <a:r>
+              <a:rPr lang="en-US" sz="3200" dirty="0"/>
+              <a:t>If needed: </a:t>
+            </a:r>
+          </a:p>
+          <a:p>
+            <a:pPr lvl="1"/>
+            <a:r>
+              <a:rPr lang="en-US" sz="2800" dirty="0"/>
+              <a:t>pip3 install </a:t>
+            </a:r>
+            <a:r>
+              <a:rPr lang="en-US" sz="2800" dirty="0" err="1"/>
+              <a:t>xmltodict</a:t>
+            </a:r>
+            <a:endParaRPr lang="en-US" sz="2800" dirty="0"/>
+          </a:p>
+          <a:p>
+            <a:pPr lvl="1"/>
+            <a:r>
+              <a:rPr lang="en-US" sz="2800" dirty="0"/>
+              <a:t>pip3 install </a:t>
+            </a:r>
+            <a:r>
+              <a:rPr lang="en-US" sz="2800" dirty="0" err="1"/>
+              <a:t>jupyter</a:t>
+            </a:r>
+            <a:endParaRPr lang="en-US" sz="2800" dirty="0"/>
+          </a:p>
+          <a:p>
+            <a:r>
+              <a:rPr lang="en-US" sz="3200" dirty="0" err="1"/>
+              <a:t>jupyter</a:t>
+            </a:r>
+            <a:r>
+              <a:rPr lang="en-US" sz="3200" dirty="0"/>
+              <a:t> notebook &amp;</a:t>
+            </a:r>
+          </a:p>
+          <a:p>
+            <a:r>
+              <a:rPr lang="en-US" sz="3200" dirty="0"/>
+              <a:t>In your web browser open xml2json.ipynb</a:t>
+            </a:r>
+          </a:p>
+          <a:p>
+            <a:endParaRPr lang="en-US" dirty="0"/>
+          </a:p>
+        </p:txBody>
+      </p:sp>
+      <p:pic>
+        <p:nvPicPr>
+          <p:cNvPr id="5" name="Picture 4">
+            <a:extLst>
+              <a:ext uri="{FF2B5EF4-FFF2-40B4-BE49-F238E27FC236}">
+                <a16:creationId xmlns:a16="http://schemas.microsoft.com/office/drawing/2014/main" id="{B8D6476C-4BB2-FE4A-A2BA-7F429EF1E2D6}"/>
+              </a:ext>
+            </a:extLst>
+          </p:cNvPr>
+          <p:cNvPicPr>
+            <a:picLocks noChangeAspect="1"/>
+          </p:cNvPicPr>
+          <p:nvPr/>
+        </p:nvPicPr>
+        <p:blipFill>
+          <a:blip r:embed="rId3"/>
+          <a:stretch>
+            <a:fillRect/>
+          </a:stretch>
+        </p:blipFill>
+        <p:spPr>
+          <a:xfrm>
+            <a:off x="7812360" y="86290"/>
+            <a:ext cx="1205979" cy="1394413"/>
+          </a:xfrm>
+          <a:prstGeom prst="rect">
+            <a:avLst/>
+          </a:prstGeom>
+        </p:spPr>
+      </p:pic>
+    </p:spTree>
+    <p:extLst>
+      <p:ext uri="{BB962C8B-B14F-4D97-AF65-F5344CB8AC3E}">
+        <p14:creationId xmlns:p14="http://schemas.microsoft.com/office/powerpoint/2010/main" val="1221931038"/>
+      </p:ext>
+    </p:extLst>
+  </p:cSld>
+  <p:clrMapOvr>
+    <a:masterClrMapping/>
+  </p:clrMapOvr>
+</p:sld>
+</file>
+
+<file path=ppt/slides/slide14.xml><?xml version="1.0" encoding="utf-8"?>
+<p:sld xmlns:a="http://schemas.openxmlformats.org/drawingml/2006/main" xmlns:r="http://schemas.openxmlformats.org/officeDocument/2006/relationships" xmlns:p="http://schemas.openxmlformats.org/presentationml/2006/main">
+  <p:cSld>
+    <p:spTree>
+      <p:nvGrpSpPr>
+        <p:cNvPr id="1" name=""/>
+        <p:cNvGrpSpPr/>
+        <p:nvPr/>
+      </p:nvGrpSpPr>
+      <p:grpSpPr>
+        <a:xfrm>
+          <a:off x="0" y="0"/>
+          <a:ext cx="0" cy="0"/>
+          <a:chOff x="0" y="0"/>
+          <a:chExt cx="0" cy="0"/>
+        </a:xfrm>
+      </p:grpSpPr>
+      <p:sp>
+        <p:nvSpPr>
           <p:cNvPr id="2" name="Title 1"/>
           <p:cNvSpPr>
             <a:spLocks noGrp="1"/>
@@ -4788,8 +5011,8 @@
         </p:nvSpPr>
         <p:spPr>
           <a:xfrm>
-            <a:off x="395288" y="1412874"/>
-            <a:ext cx="8425184" cy="5256485"/>
+            <a:off x="251359" y="1196752"/>
+            <a:ext cx="8641282" cy="5256485"/>
           </a:xfrm>
         </p:spPr>
         <p:txBody>
@@ -4798,7 +5021,7 @@
           <a:p>
             <a:r>
               <a:rPr lang="en-US" sz="3200" dirty="0"/>
-              <a:t>JSON vs. XML can be viewed as an example of </a:t>
+              <a:t>JSON vs. XML as an example of </a:t>
             </a:r>
             <a:r>
               <a:rPr lang="en-US" sz="3200" dirty="0">
@@ -4824,14 +5047,21 @@
             </a:r>
             <a:r>
               <a:rPr lang="en-US" sz="3200" dirty="0"/>
-              <a:t> headed a company that had the best commercial version of Lisp</a:t>
+              <a:t> headed a company with the best commercial version of Lisp</a:t>
             </a:r>
           </a:p>
           <a:p>
             <a:pPr lvl="1"/>
             <a:r>
               <a:rPr lang="en-US" sz="2800" dirty="0"/>
-              <a:t>Lisp was considered by programming language experts to be superior to the much more popular C</a:t>
+              <a:t>Lisp was considered by programming language experts to be much better than C</a:t>
+            </a:r>
+          </a:p>
+          <a:p>
+            <a:pPr lvl="1"/>
+            <a:r>
+              <a:rPr lang="en-US" sz="2800" dirty="0"/>
+              <a:t>But C was 10x more popular than Lisp</a:t>
             </a:r>
           </a:p>
           <a:p>
@@ -4875,7 +5105,7 @@
             </a:pPr>
             <a:r>
               <a:rPr lang="en-US" sz="3000" dirty="0"/>
-              <a:t>software that's limited, but simple to learn/use, and flexible, can be more popular to most users</a:t>
+              <a:t>Software that's limited, but simple to learn/use, and flexible, can be more popular for most users</a:t>
             </a:r>
           </a:p>
           <a:p>
@@ -5464,17 +5694,17 @@
           </a:ln>
           <a:extLst>
             <a:ext uri="{FAA26D3D-D897-4be2-8F04-BA451C77F1D7}">
-              <ma14:placeholderFlag xmlns:ma14="http://schemas.microsoft.com/office/mac/drawingml/2011/main" xmlns="" val="1"/>
+              <ma14:placeholderFlag xmlns="" xmlns:ma14="http://schemas.microsoft.com/office/mac/drawingml/2011/main" val="1"/>
             </a:ext>
             <a:ext uri="{909E8E84-426E-40dd-AFC4-6F175D3DCCD1}">
-              <a14:hiddenFill xmlns="" xmlns:a14="http://schemas.microsoft.com/office/drawing/2010/main">
+              <a14:hiddenFill xmlns:a14="http://schemas.microsoft.com/office/drawing/2010/main" xmlns="">
                 <a:solidFill>
                   <a:srgbClr val="FFFFFF"/>
                 </a:solidFill>
               </a14:hiddenFill>
             </a:ext>
             <a:ext uri="{91240B29-F687-4f45-9708-019B960494DF}">
-              <a14:hiddenLine xmlns="" xmlns:a14="http://schemas.microsoft.com/office/drawing/2010/main" w="9525">
+              <a14:hiddenLine xmlns:a14="http://schemas.microsoft.com/office/drawing/2010/main" xmlns="" w="9525">
                 <a:solidFill>
                   <a:srgbClr val="000000"/>
                 </a:solidFill>
@@ -5849,14 +6079,14 @@
           </a:ln>
           <a:extLst>
             <a:ext uri="{909E8E84-426E-40dd-AFC4-6F175D3DCCD1}">
-              <a14:hiddenFill xmlns="" xmlns:a14="http://schemas.microsoft.com/office/drawing/2010/main">
+              <a14:hiddenFill xmlns:a14="http://schemas.microsoft.com/office/drawing/2010/main" xmlns="">
                 <a:solidFill>
                   <a:srgbClr val="FFFFFF"/>
                 </a:solidFill>
               </a14:hiddenFill>
             </a:ext>
             <a:ext uri="{91240B29-F687-4f45-9708-019B960494DF}">
-              <a14:hiddenLine xmlns="" xmlns:a14="http://schemas.microsoft.com/office/drawing/2010/main" w="9525">
+              <a14:hiddenLine xmlns:a14="http://schemas.microsoft.com/office/drawing/2010/main" xmlns="" w="9525">
                 <a:solidFill>
                   <a:srgbClr val="000000"/>
                 </a:solidFill>
@@ -5903,14 +6133,14 @@
           </a:ln>
           <a:extLst>
             <a:ext uri="{909E8E84-426E-40dd-AFC4-6F175D3DCCD1}">
-              <a14:hiddenFill xmlns="" xmlns:a14="http://schemas.microsoft.com/office/drawing/2010/main">
+              <a14:hiddenFill xmlns:a14="http://schemas.microsoft.com/office/drawing/2010/main" xmlns="">
                 <a:solidFill>
                   <a:srgbClr val="FFFFFF"/>
                 </a:solidFill>
               </a14:hiddenFill>
             </a:ext>
             <a:ext uri="{91240B29-F687-4f45-9708-019B960494DF}">
-              <a14:hiddenLine xmlns="" xmlns:a14="http://schemas.microsoft.com/office/drawing/2010/main" w="9525">
+              <a14:hiddenLine xmlns:a14="http://schemas.microsoft.com/office/drawing/2010/main" xmlns="" w="9525">
                 <a:solidFill>
                   <a:srgbClr val="000000"/>
                 </a:solidFill>
@@ -5957,14 +6187,14 @@
           </a:ln>
           <a:extLst>
             <a:ext uri="{909E8E84-426E-40dd-AFC4-6F175D3DCCD1}">
-              <a14:hiddenFill xmlns="" xmlns:a14="http://schemas.microsoft.com/office/drawing/2010/main">
+              <a14:hiddenFill xmlns:a14="http://schemas.microsoft.com/office/drawing/2010/main" xmlns="">
                 <a:solidFill>
                   <a:srgbClr val="FFFFFF"/>
                 </a:solidFill>
               </a14:hiddenFill>
             </a:ext>
             <a:ext uri="{91240B29-F687-4f45-9708-019B960494DF}">
-              <a14:hiddenLine xmlns="" xmlns:a14="http://schemas.microsoft.com/office/drawing/2010/main" w="9525">
+              <a14:hiddenLine xmlns:a14="http://schemas.microsoft.com/office/drawing/2010/main" xmlns="" w="9525">
                 <a:solidFill>
                   <a:srgbClr val="000000"/>
                 </a:solidFill>

--- a/notes/03_xml/03json.pptx
+++ b/notes/03_xml/03json.pptx
@@ -5,10 +5,10 @@
     <p:sldMasterId id="2147483649" r:id="rId1"/>
   </p:sldMasterIdLst>
   <p:notesMasterIdLst>
-    <p:notesMasterId r:id="rId16"/>
+    <p:notesMasterId r:id="rId19"/>
   </p:notesMasterIdLst>
   <p:handoutMasterIdLst>
-    <p:handoutMasterId r:id="rId17"/>
+    <p:handoutMasterId r:id="rId20"/>
   </p:handoutMasterIdLst>
   <p:sldIdLst>
     <p:sldId id="256" r:id="rId2"/>
@@ -25,6 +25,9 @@
     <p:sldId id="379" r:id="rId13"/>
     <p:sldId id="384" r:id="rId14"/>
     <p:sldId id="378" r:id="rId15"/>
+    <p:sldId id="386" r:id="rId16"/>
+    <p:sldId id="387" r:id="rId17"/>
+    <p:sldId id="385" r:id="rId18"/>
   </p:sldIdLst>
   <p:sldSz cx="9144000" cy="6858000" type="screen4x3"/>
   <p:notesSz cx="9601200" cy="7315200"/>
@@ -573,10 +576,10 @@
           </a:ln>
           <a:extLst>
             <a:ext uri="{FAA26D3D-D897-4be2-8F04-BA451C77F1D7}">
-              <ma14:placeholderFlag xmlns="" xmlns:ma14="http://schemas.microsoft.com/office/mac/drawingml/2011/main" val="1"/>
+              <ma14:placeholderFlag xmlns:ma14="http://schemas.microsoft.com/office/mac/drawingml/2011/main" xmlns="" val="1"/>
             </a:ext>
             <a:ext uri="{909E8E84-426E-40dd-AFC4-6F175D3DCCD1}">
-              <a14:hiddenFill xmlns:a14="http://schemas.microsoft.com/office/drawing/2010/main" xmlns="">
+              <a14:hiddenFill xmlns="" xmlns:a14="http://schemas.microsoft.com/office/drawing/2010/main">
                 <a:solidFill>
                   <a:srgbClr val="FFFFFF"/>
                 </a:solidFill>
@@ -924,14 +927,14 @@
           <a:ln/>
           <a:extLst>
             <a:ext uri="{909E8E84-426E-40dd-AFC4-6F175D3DCCD1}">
-              <a14:hiddenFill xmlns:a14="http://schemas.microsoft.com/office/drawing/2010/main" xmlns="">
+              <a14:hiddenFill xmlns="" xmlns:a14="http://schemas.microsoft.com/office/drawing/2010/main">
                 <a:solidFill>
                   <a:srgbClr val="FFFFFF"/>
                 </a:solidFill>
               </a14:hiddenFill>
             </a:ext>
             <a:ext uri="{91240B29-F687-4f45-9708-019B960494DF}">
-              <a14:hiddenLine xmlns:a14="http://schemas.microsoft.com/office/drawing/2010/main" xmlns="" w="9525">
+              <a14:hiddenLine xmlns="" xmlns:a14="http://schemas.microsoft.com/office/drawing/2010/main" w="9525">
                 <a:solidFill>
                   <a:srgbClr val="000000"/>
                 </a:solidFill>
@@ -1096,17 +1099,17 @@
           <a:ln/>
           <a:extLst>
             <a:ext uri="{FAA26D3D-D897-4be2-8F04-BA451C77F1D7}">
-              <ma14:placeholderFlag xmlns="" xmlns:ma14="http://schemas.microsoft.com/office/mac/drawingml/2011/main" val="1"/>
+              <ma14:placeholderFlag xmlns:ma14="http://schemas.microsoft.com/office/mac/drawingml/2011/main" xmlns="" val="1"/>
             </a:ext>
             <a:ext uri="{909E8E84-426E-40dd-AFC4-6F175D3DCCD1}">
-              <a14:hiddenFill xmlns:a14="http://schemas.microsoft.com/office/drawing/2010/main" xmlns="">
+              <a14:hiddenFill xmlns="" xmlns:a14="http://schemas.microsoft.com/office/drawing/2010/main">
                 <a:solidFill>
                   <a:srgbClr val="FFFFFF"/>
                 </a:solidFill>
               </a14:hiddenFill>
             </a:ext>
             <a:ext uri="{91240B29-F687-4f45-9708-019B960494DF}">
-              <a14:hiddenLine xmlns:a14="http://schemas.microsoft.com/office/drawing/2010/main" xmlns="" w="9525">
+              <a14:hiddenLine xmlns="" xmlns:a14="http://schemas.microsoft.com/office/drawing/2010/main" w="9525">
                 <a:solidFill>
                   <a:srgbClr val="000000"/>
                 </a:solidFill>
@@ -1166,14 +1169,14 @@
           <a:ln/>
           <a:extLst>
             <a:ext uri="{909E8E84-426E-40dd-AFC4-6F175D3DCCD1}">
-              <a14:hiddenFill xmlns:a14="http://schemas.microsoft.com/office/drawing/2010/main" xmlns="">
+              <a14:hiddenFill xmlns="" xmlns:a14="http://schemas.microsoft.com/office/drawing/2010/main">
                 <a:solidFill>
                   <a:srgbClr val="FFFFFF"/>
                 </a:solidFill>
               </a14:hiddenFill>
             </a:ext>
             <a:ext uri="{91240B29-F687-4f45-9708-019B960494DF}">
-              <a14:hiddenLine xmlns:a14="http://schemas.microsoft.com/office/drawing/2010/main" xmlns="" w="9525">
+              <a14:hiddenLine xmlns="" xmlns:a14="http://schemas.microsoft.com/office/drawing/2010/main" w="9525">
                 <a:solidFill>
                   <a:srgbClr val="000000"/>
                 </a:solidFill>
@@ -1338,17 +1341,17 @@
           <a:ln/>
           <a:extLst>
             <a:ext uri="{FAA26D3D-D897-4be2-8F04-BA451C77F1D7}">
-              <ma14:placeholderFlag xmlns="" xmlns:ma14="http://schemas.microsoft.com/office/mac/drawingml/2011/main" val="1"/>
+              <ma14:placeholderFlag xmlns:ma14="http://schemas.microsoft.com/office/mac/drawingml/2011/main" xmlns="" val="1"/>
             </a:ext>
             <a:ext uri="{909E8E84-426E-40dd-AFC4-6F175D3DCCD1}">
-              <a14:hiddenFill xmlns:a14="http://schemas.microsoft.com/office/drawing/2010/main" xmlns="">
+              <a14:hiddenFill xmlns="" xmlns:a14="http://schemas.microsoft.com/office/drawing/2010/main">
                 <a:solidFill>
                   <a:srgbClr val="FFFFFF"/>
                 </a:solidFill>
               </a14:hiddenFill>
             </a:ext>
             <a:ext uri="{91240B29-F687-4f45-9708-019B960494DF}">
-              <a14:hiddenLine xmlns:a14="http://schemas.microsoft.com/office/drawing/2010/main" xmlns="" w="9525">
+              <a14:hiddenLine xmlns="" xmlns:a14="http://schemas.microsoft.com/office/drawing/2010/main" w="9525">
                 <a:solidFill>
                   <a:srgbClr val="000000"/>
                 </a:solidFill>
@@ -1510,7 +1513,7 @@
           <a:bodyPr/>
           <a:lstStyle/>
           <a:p>
-            <a:endParaRPr lang="en-US" dirty="0"/>
+            <a:endParaRPr lang="en-US"/>
           </a:p>
         </p:txBody>
       </p:sp>
@@ -1539,7 +1542,7 @@
               </a:pPr>
               <a:t>12</a:t>
             </a:fld>
-            <a:endParaRPr lang="el-GR" dirty="0"/>
+            <a:endParaRPr lang="el-GR"/>
           </a:p>
         </p:txBody>
       </p:sp>
@@ -3078,7 +3081,7 @@
           </a:lstStyle>
           <a:p>
             <a:pPr lvl="0"/>
-            <a:endParaRPr lang="en-US" noProof="0"/>
+            <a:endParaRPr lang="en-US" noProof="0" dirty="0"/>
           </a:p>
         </p:txBody>
       </p:sp>
@@ -3213,10 +3216,10 @@
           </a:ln>
           <a:extLst>
             <a:ext uri="{FAA26D3D-D897-4be2-8F04-BA451C77F1D7}">
-              <ma14:placeholderFlag xmlns="" xmlns:ma14="http://schemas.microsoft.com/office/mac/drawingml/2011/main" val="1"/>
+              <ma14:placeholderFlag xmlns:ma14="http://schemas.microsoft.com/office/mac/drawingml/2011/main" xmlns="" val="1"/>
             </a:ext>
             <a:ext uri="{91240B29-F687-4f45-9708-019B960494DF}">
-              <a14:hiddenLine xmlns:a14="http://schemas.microsoft.com/office/drawing/2010/main" xmlns="" w="9525">
+              <a14:hiddenLine xmlns="" xmlns:a14="http://schemas.microsoft.com/office/drawing/2010/main" w="9525">
                 <a:solidFill>
                   <a:srgbClr val="000000"/>
                 </a:solidFill>
@@ -3267,17 +3270,17 @@
           </a:ln>
           <a:extLst>
             <a:ext uri="{FAA26D3D-D897-4be2-8F04-BA451C77F1D7}">
-              <ma14:placeholderFlag xmlns="" xmlns:ma14="http://schemas.microsoft.com/office/mac/drawingml/2011/main" val="1"/>
+              <ma14:placeholderFlag xmlns:ma14="http://schemas.microsoft.com/office/mac/drawingml/2011/main" xmlns="" val="1"/>
             </a:ext>
             <a:ext uri="{909E8E84-426E-40dd-AFC4-6F175D3DCCD1}">
-              <a14:hiddenFill xmlns:a14="http://schemas.microsoft.com/office/drawing/2010/main" xmlns="">
+              <a14:hiddenFill xmlns="" xmlns:a14="http://schemas.microsoft.com/office/drawing/2010/main">
                 <a:solidFill>
                   <a:srgbClr val="FFFFFF"/>
                 </a:solidFill>
               </a14:hiddenFill>
             </a:ext>
             <a:ext uri="{91240B29-F687-4f45-9708-019B960494DF}">
-              <a14:hiddenLine xmlns:a14="http://schemas.microsoft.com/office/drawing/2010/main" xmlns="" w="9525">
+              <a14:hiddenLine xmlns="" xmlns:a14="http://schemas.microsoft.com/office/drawing/2010/main" w="9525">
                 <a:solidFill>
                   <a:srgbClr val="000000"/>
                 </a:solidFill>
@@ -4074,13 +4077,8 @@
             </a:pPr>
             <a:r>
               <a:rPr lang="en-US" sz="1300" dirty="0"/>
-              <a:t>&gt;&gt;&gt; import </a:t>
-            </a:r>
-            <a:r>
-              <a:rPr lang="en-US" sz="1300" dirty="0" err="1"/>
-              <a:t>json</a:t>
-            </a:r>
-            <a:endParaRPr lang="en-US" sz="1300" dirty="0"/>
+              <a:t>&gt;&gt;&gt; import json</a:t>
+            </a:r>
           </a:p>
           <a:p>
             <a:pPr marL="0" indent="0">
@@ -4088,23 +4086,7 @@
             </a:pPr>
             <a:r>
               <a:rPr lang="en-US" sz="1300" dirty="0"/>
-              <a:t>&gt;&gt;&gt; x = </a:t>
-            </a:r>
-            <a:r>
-              <a:rPr lang="en-US" sz="1300" dirty="0" err="1"/>
-              <a:t>json.load</a:t>
-            </a:r>
-            <a:r>
-              <a:rPr lang="en-US" sz="1300" dirty="0"/>
-              <a:t>(open('</a:t>
-            </a:r>
-            <a:r>
-              <a:rPr lang="en-US" sz="1300" dirty="0" err="1"/>
-              <a:t>example.json</a:t>
-            </a:r>
-            <a:r>
-              <a:rPr lang="en-US" sz="1300" dirty="0"/>
-              <a:t>'))</a:t>
+              <a:t>&gt;&gt;&gt; x = json.load(open('example.json'))</a:t>
             </a:r>
           </a:p>
           <a:p>
@@ -4122,11 +4104,35 @@
             </a:pPr>
             <a:r>
               <a:rPr lang="en-US" sz="1300" dirty="0"/>
-              <a:t>{</a:t>
+              <a:t>{u'lastName': u'Smith', u'age': 25, u'phoneNumber': [{u'type': u'home', </a:t>
             </a:r>
             <a:r>
               <a:rPr lang="en-US" sz="1300" dirty="0" err="1"/>
-              <a:t>u'lastName</a:t>
+              <a:t>u'number</a:t>
+            </a:r>
+            <a:r>
+              <a:rPr lang="en-US" sz="1300" dirty="0"/>
+              <a:t>': u'212-555-1234'}, {u'type': </a:t>
+            </a:r>
+            <a:r>
+              <a:rPr lang="en-US" sz="1300" dirty="0" err="1"/>
+              <a:t>u'fax</a:t>
+            </a:r>
+            <a:r>
+              <a:rPr lang="en-US" sz="1300" dirty="0"/>
+              <a:t>', </a:t>
+            </a:r>
+            <a:r>
+              <a:rPr lang="en-US" sz="1300" dirty="0" err="1"/>
+              <a:t>u'number</a:t>
+            </a:r>
+            <a:r>
+              <a:rPr lang="en-US" sz="1300" dirty="0"/>
+              <a:t>': u'646-555-4567'}], </a:t>
+            </a:r>
+            <a:r>
+              <a:rPr lang="en-US" sz="1300" dirty="0" err="1"/>
+              <a:t>u'firstName</a:t>
             </a:r>
             <a:r>
               <a:rPr lang="en-US" sz="1300" dirty="0"/>
@@ -4134,7 +4140,7 @@
             </a:r>
             <a:r>
               <a:rPr lang="en-US" sz="1300" dirty="0" err="1"/>
-              <a:t>u'Smith</a:t>
+              <a:t>u'John</a:t>
             </a:r>
             <a:r>
               <a:rPr lang="en-US" sz="1300" dirty="0"/>
@@ -4142,23 +4148,23 @@
             </a:r>
             <a:r>
               <a:rPr lang="en-US" sz="1300" dirty="0" err="1"/>
-              <a:t>u'age</a:t>
+              <a:t>u'address</a:t>
             </a:r>
             <a:r>
               <a:rPr lang="en-US" sz="1300" dirty="0"/>
-              <a:t>': 25, </a:t>
+              <a:t>': {</a:t>
             </a:r>
             <a:r>
               <a:rPr lang="en-US" sz="1300" dirty="0" err="1"/>
-              <a:t>u'phoneNumber</a:t>
+              <a:t>u'streetAdr</a:t>
             </a:r>
             <a:r>
               <a:rPr lang="en-US" sz="1300" dirty="0"/>
-              <a:t>': [{</a:t>
+              <a:t>': u'21 2nd Street', </a:t>
             </a:r>
             <a:r>
               <a:rPr lang="en-US" sz="1300" dirty="0" err="1"/>
-              <a:t>u'type</a:t>
+              <a:t>u'state</a:t>
             </a:r>
             <a:r>
               <a:rPr lang="en-US" sz="1300" dirty="0"/>
@@ -4166,7 +4172,7 @@
             </a:r>
             <a:r>
               <a:rPr lang="en-US" sz="1300" dirty="0" err="1"/>
-              <a:t>u'home</a:t>
+              <a:t>u'NY</a:t>
             </a:r>
             <a:r>
               <a:rPr lang="en-US" sz="1300" dirty="0"/>
@@ -4174,15 +4180,15 @@
             </a:r>
             <a:r>
               <a:rPr lang="en-US" sz="1300" dirty="0" err="1"/>
-              <a:t>u'number</a:t>
+              <a:t>u'zip</a:t>
             </a:r>
             <a:r>
               <a:rPr lang="en-US" sz="1300" dirty="0"/>
-              <a:t>': u'212-555-1234'}, {</a:t>
+              <a:t>': u'10021', </a:t>
             </a:r>
             <a:r>
               <a:rPr lang="en-US" sz="1300" dirty="0" err="1"/>
-              <a:t>u'type</a:t>
+              <a:t>u'city</a:t>
             </a:r>
             <a:r>
               <a:rPr lang="en-US" sz="1300" dirty="0"/>
@@ -4190,112 +4196,32 @@
             </a:r>
             <a:r>
               <a:rPr lang="en-US" sz="1300" dirty="0" err="1"/>
-              <a:t>u'fax</a:t>
+              <a:t>u'New</a:t>
             </a:r>
             <a:r>
               <a:rPr lang="en-US" sz="1300" dirty="0"/>
-              <a:t>', </a:t>
-            </a:r>
-            <a:r>
-              <a:rPr lang="en-US" sz="1300" dirty="0" err="1"/>
-              <a:t>u'number</a:t>
-            </a:r>
+              <a:t> York'}}</a:t>
+            </a:r>
+          </a:p>
+          <a:p>
+            <a:pPr marL="0" indent="0">
+              <a:buNone/>
+            </a:pPr>
             <a:r>
               <a:rPr lang="en-US" sz="1300" dirty="0"/>
-              <a:t>': u'646-555-4567'}], </a:t>
-            </a:r>
-            <a:r>
-              <a:rPr lang="en-US" sz="1300" dirty="0" err="1"/>
-              <a:t>u'firstName</a:t>
-            </a:r>
-            <a:r>
-              <a:rPr lang="en-US" sz="1300" dirty="0"/>
-              <a:t>': </a:t>
-            </a:r>
-            <a:r>
-              <a:rPr lang="en-US" sz="1300" dirty="0" err="1"/>
-              <a:t>u'John</a:t>
-            </a:r>
-            <a:r>
-              <a:rPr lang="en-US" sz="1300" dirty="0"/>
-              <a:t>', </a:t>
-            </a:r>
-            <a:r>
-              <a:rPr lang="en-US" sz="1300" dirty="0" err="1"/>
-              <a:t>u'address</a:t>
-            </a:r>
-            <a:r>
-              <a:rPr lang="en-US" sz="1300" dirty="0"/>
-              <a:t>': {</a:t>
-            </a:r>
-            <a:r>
-              <a:rPr lang="en-US" sz="1300" dirty="0" err="1"/>
-              <a:t>u'streetAdr</a:t>
-            </a:r>
-            <a:r>
-              <a:rPr lang="en-US" sz="1300" dirty="0"/>
-              <a:t>': u'21 2nd Street', </a:t>
-            </a:r>
-            <a:r>
-              <a:rPr lang="en-US" sz="1300" dirty="0" err="1"/>
-              <a:t>u'state</a:t>
-            </a:r>
-            <a:r>
-              <a:rPr lang="en-US" sz="1300" dirty="0"/>
-              <a:t>': </a:t>
-            </a:r>
+              <a:t>&gt;&gt;&gt; x['address']['state']</a:t>
+            </a:r>
+          </a:p>
+          <a:p>
+            <a:pPr marL="0" indent="0">
+              <a:buNone/>
+            </a:pPr>
             <a:r>
               <a:rPr lang="en-US" sz="1300" dirty="0" err="1"/>
               <a:t>u'NY</a:t>
             </a:r>
             <a:r>
               <a:rPr lang="en-US" sz="1300" dirty="0"/>
-              <a:t>', </a:t>
-            </a:r>
-            <a:r>
-              <a:rPr lang="en-US" sz="1300" dirty="0" err="1"/>
-              <a:t>u'zip</a:t>
-            </a:r>
-            <a:r>
-              <a:rPr lang="en-US" sz="1300" dirty="0"/>
-              <a:t>': u'10021', </a:t>
-            </a:r>
-            <a:r>
-              <a:rPr lang="en-US" sz="1300" dirty="0" err="1"/>
-              <a:t>u'city</a:t>
-            </a:r>
-            <a:r>
-              <a:rPr lang="en-US" sz="1300" dirty="0"/>
-              <a:t>': </a:t>
-            </a:r>
-            <a:r>
-              <a:rPr lang="en-US" sz="1300" dirty="0" err="1"/>
-              <a:t>u'New</a:t>
-            </a:r>
-            <a:r>
-              <a:rPr lang="en-US" sz="1300" dirty="0"/>
-              <a:t> York'}}</a:t>
-            </a:r>
-          </a:p>
-          <a:p>
-            <a:pPr marL="0" indent="0">
-              <a:buNone/>
-            </a:pPr>
-            <a:r>
-              <a:rPr lang="en-US" sz="1300" dirty="0"/>
-              <a:t>&gt;&gt;&gt; x['address']['state']</a:t>
-            </a:r>
-          </a:p>
-          <a:p>
-            <a:pPr marL="0" indent="0">
-              <a:buNone/>
-            </a:pPr>
-            <a:r>
-              <a:rPr lang="en-US" sz="1300" dirty="0" err="1"/>
-              <a:t>u'NY</a:t>
-            </a:r>
-            <a:r>
-              <a:rPr lang="en-US" sz="1300" dirty="0"/>
               <a:t>'</a:t>
             </a:r>
           </a:p>
@@ -4404,11 +4330,11 @@
             </a:r>
             <a:r>
               <a:rPr lang="en-US" sz="1300" dirty="0" err="1"/>
-              <a:t>firstName</a:t>
+              <a:t>firstName":"John</a:t>
             </a:r>
             <a:r>
               <a:rPr lang="en-US" sz="1300" dirty="0"/>
-              <a:t>":"John",</a:t>
+              <a:t>",</a:t>
             </a:r>
           </a:p>
           <a:p>
@@ -4421,11 +4347,11 @@
             </a:r>
             <a:r>
               <a:rPr lang="en-US" sz="1300" dirty="0" err="1"/>
-              <a:t>lastName</a:t>
+              <a:t>lastName":"Smith</a:t>
             </a:r>
             <a:r>
               <a:rPr lang="en-US" sz="1300" dirty="0"/>
-              <a:t>":"Smith",</a:t>
+              <a:t>",</a:t>
             </a:r>
           </a:p>
           <a:p>
@@ -4434,15 +4360,7 @@
             </a:pPr>
             <a:r>
               <a:rPr lang="en-US" sz="1300" dirty="0"/>
-              <a:t>  "</a:t>
-            </a:r>
-            <a:r>
-              <a:rPr lang="en-US" sz="1300" dirty="0" err="1"/>
-              <a:t>phoneNumber</a:t>
-            </a:r>
-            <a:r>
-              <a:rPr lang="en-US" sz="1300" dirty="0"/>
-              <a:t>":[</a:t>
+              <a:t>  "phoneNumber":[</a:t>
             </a:r>
           </a:p>
           <a:p>
@@ -4542,10 +4460,10 @@
               <a:buChar char="•"/>
             </a:pPr>
             <a:r>
-              <a:rPr lang="en-US" sz="2400" dirty="0"/>
+              <a:rPr lang="en-US" sz="2400"/>
               <a:t>Python’s JSON package reads &amp; writes JSON from/to files &amp; strings</a:t>
             </a:r>
-            <a:endParaRPr lang="en-US" sz="2000" dirty="0"/>
+            <a:endParaRPr lang="en-US" sz="2000"/>
           </a:p>
           <a:p>
             <a:pPr marL="233363" indent="-233363">
@@ -4556,7 +4474,7 @@
               <a:buChar char="•"/>
             </a:pPr>
             <a:r>
-              <a:rPr lang="en-US" sz="2400" dirty="0"/>
+              <a:rPr lang="en-US" sz="2400"/>
               <a:t>Maps JSON objects to Python dictionaries</a:t>
             </a:r>
           </a:p>
@@ -4569,7 +4487,7 @@
               <a:buChar char="•"/>
             </a:pPr>
             <a:r>
-              <a:rPr lang="en-US" sz="2400" dirty="0"/>
+              <a:rPr lang="en-US" sz="2400"/>
               <a:t>Maps JSON arrays to Python lists</a:t>
             </a:r>
           </a:p>
@@ -4582,7 +4500,7 @@
               <a:buChar char="•"/>
             </a:pPr>
             <a:r>
-              <a:rPr lang="en-US" sz="2400" dirty="0"/>
+              <a:rPr lang="en-US" sz="2400"/>
               <a:t>Dump (write to file) and dumps (write to string) functions can do simple pretty printing</a:t>
             </a:r>
           </a:p>
@@ -4634,7 +4552,7 @@
           <a:lstStyle/>
           <a:p>
             <a:r>
-              <a:rPr lang="en-US" dirty="0"/>
+              <a:rPr lang="en-US"/>
               <a:t>JSON vs. XML</a:t>
             </a:r>
           </a:p>
@@ -4656,52 +4574,52 @@
           <a:lstStyle/>
           <a:p>
             <a:r>
-              <a:rPr lang="en-US" sz="3200" dirty="0">
+              <a:rPr lang="en-US" sz="3200">
                 <a:hlinkClick r:id="rId3"/>
               </a:rPr>
               <a:t>JSON: The Fat-Free Alternative to XML</a:t>
             </a:r>
-            <a:endParaRPr lang="en-US" sz="3200" dirty="0"/>
+            <a:endParaRPr lang="en-US" sz="3200"/>
           </a:p>
           <a:p>
             <a:pPr marL="395287" lvl="1" indent="0">
               <a:buNone/>
             </a:pPr>
             <a:r>
-              <a:rPr lang="en-US" sz="2800" dirty="0" err="1"/>
+              <a:rPr lang="en-US" sz="2800" err="1"/>
               <a:t>json.org</a:t>
             </a:r>
             <a:r>
-              <a:rPr lang="en-US" sz="2800" dirty="0"/>
+              <a:rPr lang="en-US" sz="2800"/>
               <a:t> page  laying out the case for JSON over XML</a:t>
             </a:r>
           </a:p>
           <a:p>
             <a:r>
-              <a:rPr lang="en-US" sz="3200" dirty="0">
+              <a:rPr lang="en-US" sz="3200">
                 <a:hlinkClick r:id="rId4"/>
               </a:rPr>
               <a:t>Stop Comparing JSON and XML</a:t>
             </a:r>
-            <a:endParaRPr lang="en-US" sz="3200" dirty="0"/>
+            <a:endParaRPr lang="en-US" sz="3200"/>
           </a:p>
           <a:p>
             <a:pPr marL="395287" lvl="1" indent="0">
               <a:buNone/>
             </a:pPr>
             <a:r>
-              <a:rPr lang="en-US" sz="2800" dirty="0"/>
+              <a:rPr lang="en-US" sz="2800"/>
               <a:t>Blog post arguing that they're very different things with their own areas of applicability</a:t>
             </a:r>
-            <a:endParaRPr lang="en-US" sz="3200" dirty="0"/>
-          </a:p>
-          <a:p>
-            <a:r>
-              <a:rPr lang="en-US" sz="3200" dirty="0"/>
+            <a:endParaRPr lang="en-US" sz="3200"/>
+          </a:p>
+          <a:p>
+            <a:r>
+              <a:rPr lang="en-US" sz="3200"/>
               <a:t>XML </a:t>
             </a:r>
             <a:r>
-              <a:rPr lang="en-US" sz="3200" dirty="0">
+              <a:rPr lang="en-US" sz="3200">
                 <a:sym typeface="Wingdings"/>
               </a:rPr>
               <a:t>JSON</a:t>
@@ -4712,27 +4630,27 @@
               <a:buNone/>
             </a:pPr>
             <a:r>
-              <a:rPr lang="en-US" sz="2800" dirty="0"/>
+              <a:rPr lang="en-US" sz="2800"/>
               <a:t>There are many web tools (e.g.: </a:t>
             </a:r>
             <a:r>
-              <a:rPr lang="en-US" sz="2800" dirty="0">
+              <a:rPr lang="en-US" sz="2800">
                 <a:hlinkClick r:id="rId5"/>
               </a:rPr>
               <a:t>this one</a:t>
             </a:r>
             <a:r>
-              <a:rPr lang="en-US" sz="2800" dirty="0"/>
+              <a:rPr lang="en-US" sz="2800"/>
               <a:t>) and software packages (e.g. </a:t>
             </a:r>
             <a:r>
-              <a:rPr lang="en-US" sz="2800" dirty="0">
+              <a:rPr lang="en-US" sz="2800">
                 <a:hlinkClick r:id="rId6"/>
               </a:rPr>
               <a:t>xml2dict</a:t>
             </a:r>
             <a:r>
-              <a:rPr lang="en-US" sz="2800" dirty="0"/>
+              <a:rPr lang="en-US" sz="2800"/>
               <a:t>) that can convert between simple XML and JSON representations</a:t>
             </a:r>
           </a:p>
@@ -4795,11 +4713,11 @@
           <a:lstStyle/>
           <a:p>
             <a:r>
-              <a:rPr lang="en-US" dirty="0" err="1"/>
+              <a:rPr lang="en-US" err="1"/>
               <a:t>Jupyter</a:t>
             </a:r>
             <a:r>
-              <a:rPr lang="en-US" dirty="0"/>
+              <a:rPr lang="en-US"/>
               <a:t> Notebook Examples</a:t>
             </a:r>
           </a:p>
@@ -4832,88 +4750,88 @@
           <a:lstStyle/>
           <a:p>
             <a:r>
-              <a:rPr lang="en-US" sz="3200" dirty="0"/>
+              <a:rPr lang="en-US" sz="3200"/>
               <a:t>Visit </a:t>
             </a:r>
             <a:r>
-              <a:rPr lang="en-US" sz="3200" dirty="0">
+              <a:rPr lang="en-US" sz="3200">
                 <a:hlinkClick r:id="rId2"/>
               </a:rPr>
               <a:t>http://bit.ly/kg19class</a:t>
             </a:r>
             <a:r>
-              <a:rPr lang="en-US" sz="3200" dirty="0"/>
+              <a:rPr lang="en-US" sz="3200"/>
               <a:t> and get clone string</a:t>
             </a:r>
           </a:p>
           <a:p>
             <a:r>
-              <a:rPr lang="en-US" sz="3200" dirty="0"/>
+              <a:rPr lang="en-US" sz="3200"/>
               <a:t>Clone this on your computer</a:t>
             </a:r>
           </a:p>
           <a:p>
             <a:r>
-              <a:rPr lang="en-US" sz="3200" dirty="0"/>
+              <a:rPr lang="en-US" sz="3200"/>
               <a:t>cd </a:t>
             </a:r>
             <a:r>
-              <a:rPr lang="en-US" sz="3200" dirty="0" err="1"/>
+              <a:rPr lang="en-US" sz="3200" err="1"/>
               <a:t>class_material</a:t>
             </a:r>
             <a:r>
-              <a:rPr lang="en-US" sz="3200" dirty="0"/>
+              <a:rPr lang="en-US" sz="3200"/>
               <a:t>/examples/xml/</a:t>
             </a:r>
           </a:p>
           <a:p>
             <a:r>
-              <a:rPr lang="en-US" sz="3200" dirty="0"/>
+              <a:rPr lang="en-US" sz="3200"/>
               <a:t>If needed: </a:t>
             </a:r>
           </a:p>
           <a:p>
             <a:pPr lvl="1"/>
             <a:r>
-              <a:rPr lang="en-US" sz="2800" dirty="0"/>
+              <a:rPr lang="en-US" sz="2800"/>
               <a:t>pip3 install </a:t>
             </a:r>
             <a:r>
-              <a:rPr lang="en-US" sz="2800" dirty="0" err="1"/>
+              <a:rPr lang="en-US" sz="2800" err="1"/>
               <a:t>xmltodict</a:t>
             </a:r>
-            <a:endParaRPr lang="en-US" sz="2800" dirty="0"/>
+            <a:endParaRPr lang="en-US" sz="2800"/>
           </a:p>
           <a:p>
             <a:pPr lvl="1"/>
             <a:r>
-              <a:rPr lang="en-US" sz="2800" dirty="0"/>
+              <a:rPr lang="en-US" sz="2800"/>
               <a:t>pip3 install </a:t>
             </a:r>
             <a:r>
-              <a:rPr lang="en-US" sz="2800" dirty="0" err="1"/>
+              <a:rPr lang="en-US" sz="2800" err="1"/>
               <a:t>jupyter</a:t>
             </a:r>
-            <a:endParaRPr lang="en-US" sz="2800" dirty="0"/>
-          </a:p>
-          <a:p>
-            <a:r>
-              <a:rPr lang="en-US" sz="3200" dirty="0" err="1"/>
+            <a:endParaRPr lang="en-US" sz="2800"/>
+          </a:p>
+          <a:p>
+            <a:r>
+              <a:rPr lang="en-US" sz="3200" err="1"/>
               <a:t>jupyter</a:t>
             </a:r>
             <a:r>
-              <a:rPr lang="en-US" sz="3200" dirty="0"/>
+              <a:rPr lang="en-US" sz="3200"/>
               <a:t> notebook &amp;</a:t>
             </a:r>
           </a:p>
           <a:p>
             <a:r>
-              <a:rPr lang="en-US" sz="3200" dirty="0"/>
+              <a:rPr lang="en-US" sz="3200"/>
               <a:t>In your web browser open xml2json.ipynb</a:t>
             </a:r>
           </a:p>
           <a:p>
-            <a:endParaRPr lang="en-US" dirty="0"/>
+            <a:endParaRPr lang="en-US"/>
           </a:p>
         </p:txBody>
       </p:sp>
@@ -4993,7 +4911,7 @@
           <a:lstStyle/>
           <a:p>
             <a:r>
-              <a:rPr lang="en-US" dirty="0"/>
+              <a:rPr lang="en-US"/>
               <a:t>Worse is Better?</a:t>
             </a:r>
           </a:p>
@@ -5020,82 +4938,82 @@
           <a:lstStyle/>
           <a:p>
             <a:r>
-              <a:rPr lang="en-US" sz="3200" dirty="0"/>
+              <a:rPr lang="en-US" sz="3200"/>
               <a:t>JSON vs. XML as an example of </a:t>
             </a:r>
             <a:r>
-              <a:rPr lang="en-US" sz="3200" dirty="0">
+              <a:rPr lang="en-US" sz="3200">
                 <a:hlinkClick r:id="rId2"/>
               </a:rPr>
               <a:t>“Worse is Better</a:t>
             </a:r>
             <a:r>
-              <a:rPr lang="en-US" sz="3200" dirty="0"/>
+              <a:rPr lang="en-US" sz="3200"/>
               <a:t>”</a:t>
             </a:r>
           </a:p>
           <a:p>
             <a:r>
-              <a:rPr lang="en-US" sz="3200" dirty="0"/>
+              <a:rPr lang="en-US" sz="3200"/>
               <a:t>In 1989 </a:t>
             </a:r>
             <a:r>
-              <a:rPr lang="en-US" sz="3200" dirty="0">
+              <a:rPr lang="en-US" sz="3200">
                 <a:hlinkClick r:id="rId3"/>
               </a:rPr>
               <a:t>Dick Gabriel</a:t>
             </a:r>
             <a:r>
-              <a:rPr lang="en-US" sz="3200" dirty="0"/>
+              <a:rPr lang="en-US" sz="3200"/>
               <a:t> headed a company with the best commercial version of Lisp</a:t>
             </a:r>
           </a:p>
           <a:p>
             <a:pPr lvl="1"/>
             <a:r>
-              <a:rPr lang="en-US" sz="2800" dirty="0"/>
+              <a:rPr lang="en-US" sz="2800"/>
               <a:t>Lisp was considered by programming language experts to be much better than C</a:t>
             </a:r>
           </a:p>
           <a:p>
             <a:pPr lvl="1"/>
             <a:r>
-              <a:rPr lang="en-US" sz="2800" dirty="0"/>
+              <a:rPr lang="en-US" sz="2800"/>
               <a:t>But C was 10x more popular than Lisp</a:t>
             </a:r>
           </a:p>
           <a:p>
             <a:pPr lvl="1"/>
             <a:r>
-              <a:rPr lang="en-US" sz="2800" dirty="0"/>
+              <a:rPr lang="en-US" sz="2800"/>
               <a:t>Cf. today: Scheme vs. Python (</a:t>
             </a:r>
             <a:r>
-              <a:rPr lang="en-US" sz="2800" dirty="0" err="1"/>
+              <a:rPr lang="en-US" sz="2800" err="1"/>
               <a:t>w.r.t</a:t>
             </a:r>
             <a:r>
-              <a:rPr lang="en-US" sz="2800" dirty="0"/>
+              <a:rPr lang="en-US" sz="2800"/>
               <a:t>. </a:t>
             </a:r>
             <a:r>
-              <a:rPr lang="en-US" sz="2800" dirty="0">
+              <a:rPr lang="en-US" sz="2800">
                 <a:hlinkClick r:id="rId4"/>
               </a:rPr>
               <a:t>mutable lists</a:t>
             </a:r>
             <a:r>
-              <a:rPr lang="en-US" sz="2800" dirty="0"/>
+              <a:rPr lang="en-US" sz="2800"/>
               <a:t>)</a:t>
             </a:r>
           </a:p>
           <a:p>
             <a:r>
-              <a:rPr lang="en-US" sz="3200" dirty="0"/>
+              <a:rPr lang="en-US" sz="3200"/>
               <a:t>Gabriel explained it as </a:t>
             </a:r>
             <a:r>
-              <a:rPr lang="en-US" sz="3200" i="1" dirty="0"/>
+              <a:rPr lang="en-US" sz="3200" i="1"/>
               <a:t>worse is better</a:t>
             </a:r>
           </a:p>
@@ -5104,31 +5022,698 @@
               <a:buNone/>
             </a:pPr>
             <a:r>
-              <a:rPr lang="en-US" sz="3000" dirty="0"/>
+              <a:rPr lang="en-US" sz="3000"/>
               <a:t>Software that's limited, but simple to learn/use, and flexible, can be more popular for most users</a:t>
             </a:r>
           </a:p>
           <a:p>
-            <a:endParaRPr lang="en-US" sz="3200" dirty="0"/>
-          </a:p>
-          <a:p>
-            <a:endParaRPr lang="en-US" sz="3200" dirty="0"/>
-          </a:p>
-          <a:p>
-            <a:endParaRPr lang="en-US" sz="3200" dirty="0"/>
+            <a:endParaRPr lang="en-US" sz="3200"/>
+          </a:p>
+          <a:p>
+            <a:endParaRPr lang="en-US" sz="3200"/>
+          </a:p>
+          <a:p>
+            <a:endParaRPr lang="en-US" sz="3200"/>
           </a:p>
           <a:p>
             <a:pPr marL="0" indent="0">
               <a:buNone/>
             </a:pPr>
-            <a:endParaRPr lang="en-US" sz="3200" dirty="0"/>
+            <a:endParaRPr lang="en-US" sz="3200"/>
+          </a:p>
+        </p:txBody>
+      </p:sp>
+      <p:pic>
+        <p:nvPicPr>
+          <p:cNvPr id="4" name="Picture 3">
+            <a:extLst>
+              <a:ext uri="{FF2B5EF4-FFF2-40B4-BE49-F238E27FC236}">
+                <a16:creationId xmlns:a16="http://schemas.microsoft.com/office/drawing/2014/main" id="{BA9589D8-5B47-4441-9B4D-24E2A4236CEC}"/>
+              </a:ext>
+            </a:extLst>
+          </p:cNvPr>
+          <p:cNvPicPr>
+            <a:picLocks noChangeAspect="1"/>
+          </p:cNvPicPr>
+          <p:nvPr/>
+        </p:nvPicPr>
+        <p:blipFill>
+          <a:blip r:embed="rId5"/>
+          <a:stretch>
+            <a:fillRect/>
+          </a:stretch>
+        </p:blipFill>
+        <p:spPr>
+          <a:xfrm>
+            <a:off x="0" y="0"/>
+            <a:ext cx="9144000" cy="6858000"/>
+          </a:xfrm>
+          <a:prstGeom prst="rect">
+            <a:avLst/>
+          </a:prstGeom>
+        </p:spPr>
+      </p:pic>
+    </p:spTree>
+    <p:extLst>
+      <p:ext uri="{BB962C8B-B14F-4D97-AF65-F5344CB8AC3E}">
+        <p14:creationId xmlns:p14="http://schemas.microsoft.com/office/powerpoint/2010/main" val="4142112680"/>
+      </p:ext>
+    </p:extLst>
+  </p:cSld>
+  <p:clrMapOvr>
+    <a:masterClrMapping/>
+  </p:clrMapOvr>
+</p:sld>
+</file>
+
+<file path=ppt/slides/slide15.xml><?xml version="1.0" encoding="utf-8"?>
+<p:sld xmlns:a="http://schemas.openxmlformats.org/drawingml/2006/main" xmlns:r="http://schemas.openxmlformats.org/officeDocument/2006/relationships" xmlns:p="http://schemas.openxmlformats.org/presentationml/2006/main">
+  <p:cSld>
+    <p:spTree>
+      <p:nvGrpSpPr>
+        <p:cNvPr id="1" name=""/>
+        <p:cNvGrpSpPr/>
+        <p:nvPr/>
+      </p:nvGrpSpPr>
+      <p:grpSpPr>
+        <a:xfrm>
+          <a:off x="0" y="0"/>
+          <a:ext cx="0" cy="0"/>
+          <a:chOff x="0" y="0"/>
+          <a:chExt cx="0" cy="0"/>
+        </a:xfrm>
+      </p:grpSpPr>
+      <p:pic>
+        <p:nvPicPr>
+          <p:cNvPr id="11" name="Picture 10">
+            <a:extLst>
+              <a:ext uri="{FF2B5EF4-FFF2-40B4-BE49-F238E27FC236}">
+                <a16:creationId xmlns:a16="http://schemas.microsoft.com/office/drawing/2014/main" id="{6709434C-300D-AD48-BF3F-638C9498A8B3}"/>
+              </a:ext>
+            </a:extLst>
+          </p:cNvPr>
+          <p:cNvPicPr>
+            <a:picLocks noChangeAspect="1"/>
+          </p:cNvPicPr>
+          <p:nvPr/>
+        </p:nvPicPr>
+        <p:blipFill>
+          <a:blip r:embed="rId2"/>
+          <a:stretch>
+            <a:fillRect/>
+          </a:stretch>
+        </p:blipFill>
+        <p:spPr>
+          <a:xfrm>
+            <a:off x="3634368" y="3362916"/>
+            <a:ext cx="5519384" cy="3657600"/>
+          </a:xfrm>
+          <a:prstGeom prst="rect">
+            <a:avLst/>
+          </a:prstGeom>
+        </p:spPr>
+      </p:pic>
+      <p:sp>
+        <p:nvSpPr>
+          <p:cNvPr id="2" name="Title 1">
+            <a:extLst>
+              <a:ext uri="{FF2B5EF4-FFF2-40B4-BE49-F238E27FC236}">
+                <a16:creationId xmlns:a16="http://schemas.microsoft.com/office/drawing/2014/main" id="{F33E1302-9688-3E42-973C-ECB6E8052610}"/>
+              </a:ext>
+            </a:extLst>
+          </p:cNvPr>
+          <p:cNvSpPr>
+            <a:spLocks noGrp="1"/>
+          </p:cNvSpPr>
+          <p:nvPr>
+            <p:ph type="title"/>
+          </p:nvPr>
+        </p:nvSpPr>
+        <p:spPr/>
+        <p:txBody>
+          <a:bodyPr/>
+          <a:lstStyle/>
+          <a:p>
+            <a:r>
+              <a:rPr lang="en-US"/>
+              <a:t>Google’s JSON Style Guide</a:t>
+            </a:r>
+          </a:p>
+        </p:txBody>
+      </p:sp>
+      <p:sp>
+        <p:nvSpPr>
+          <p:cNvPr id="3" name="Content Placeholder 2">
+            <a:extLst>
+              <a:ext uri="{FF2B5EF4-FFF2-40B4-BE49-F238E27FC236}">
+                <a16:creationId xmlns:a16="http://schemas.microsoft.com/office/drawing/2014/main" id="{807454BA-8C3F-2247-B336-A068629D96ED}"/>
+              </a:ext>
+            </a:extLst>
+          </p:cNvPr>
+          <p:cNvSpPr>
+            <a:spLocks noGrp="1"/>
+          </p:cNvSpPr>
+          <p:nvPr>
+            <p:ph idx="1"/>
+          </p:nvPr>
+        </p:nvSpPr>
+        <p:spPr>
+          <a:xfrm>
+            <a:off x="395287" y="1239813"/>
+            <a:ext cx="8353425" cy="1152029"/>
+          </a:xfrm>
+        </p:spPr>
+        <p:txBody>
+          <a:bodyPr/>
+          <a:lstStyle/>
+          <a:p>
+            <a:r>
+              <a:rPr lang="en-US"/>
+              <a:t>Google has </a:t>
+            </a:r>
+            <a:r>
+              <a:rPr lang="en-US">
+                <a:hlinkClick r:id="rId3"/>
+              </a:rPr>
+              <a:t>style guides</a:t>
+            </a:r>
+            <a:r>
+              <a:rPr lang="en-US"/>
+              <a:t> for </a:t>
+            </a:r>
+            <a:r>
+              <a:rPr lang="en-US">
+                <a:hlinkClick r:id="rId4"/>
+              </a:rPr>
+              <a:t>JSON</a:t>
+            </a:r>
+            <a:r>
+              <a:rPr lang="en-US"/>
+              <a:t> and other languages</a:t>
+            </a:r>
+          </a:p>
+          <a:p>
+            <a:r>
+              <a:rPr lang="en-US"/>
+              <a:t>Note: its an </a:t>
+            </a:r>
+            <a:r>
+              <a:rPr lang="en-US">
+                <a:hlinkClick r:id="rId5"/>
+              </a:rPr>
+              <a:t>XML document</a:t>
+            </a:r>
+            <a:r>
+              <a:rPr lang="en-US"/>
+              <a:t> with an </a:t>
+            </a:r>
+            <a:r>
+              <a:rPr lang="en-US">
+                <a:hlinkClick r:id="rId6"/>
+              </a:rPr>
+              <a:t>XSL stylesheet</a:t>
+            </a:r>
+            <a:r>
+              <a:rPr lang="en-US"/>
+              <a:t>!</a:t>
+            </a:r>
+          </a:p>
+        </p:txBody>
+      </p:sp>
+      <p:pic>
+        <p:nvPicPr>
+          <p:cNvPr id="9" name="Picture 8">
+            <a:extLst>
+              <a:ext uri="{FF2B5EF4-FFF2-40B4-BE49-F238E27FC236}">
+                <a16:creationId xmlns:a16="http://schemas.microsoft.com/office/drawing/2014/main" id="{DC6EE65E-3D2C-A84B-9D94-61D9A21D51BA}"/>
+              </a:ext>
+            </a:extLst>
+          </p:cNvPr>
+          <p:cNvPicPr>
+            <a:picLocks noChangeAspect="1"/>
+          </p:cNvPicPr>
+          <p:nvPr/>
+        </p:nvPicPr>
+        <p:blipFill>
+          <a:blip r:embed="rId7"/>
+          <a:stretch>
+            <a:fillRect/>
+          </a:stretch>
+        </p:blipFill>
+        <p:spPr>
+          <a:xfrm>
+            <a:off x="2450570" y="2749775"/>
+            <a:ext cx="5110755" cy="3657600"/>
+          </a:xfrm>
+          <a:prstGeom prst="rect">
+            <a:avLst/>
+          </a:prstGeom>
+        </p:spPr>
+      </p:pic>
+      <p:pic>
+        <p:nvPicPr>
+          <p:cNvPr id="5" name="Picture 4">
+            <a:extLst>
+              <a:ext uri="{FF2B5EF4-FFF2-40B4-BE49-F238E27FC236}">
+                <a16:creationId xmlns:a16="http://schemas.microsoft.com/office/drawing/2014/main" id="{88D3022D-3922-3D4C-A679-517DCECA89D0}"/>
+              </a:ext>
+            </a:extLst>
+          </p:cNvPr>
+          <p:cNvPicPr>
+            <a:picLocks noChangeAspect="1"/>
+          </p:cNvPicPr>
+          <p:nvPr/>
+        </p:nvPicPr>
+        <p:blipFill>
+          <a:blip r:embed="rId8"/>
+          <a:stretch>
+            <a:fillRect/>
+          </a:stretch>
+        </p:blipFill>
+        <p:spPr>
+          <a:xfrm>
+            <a:off x="-79723" y="2064128"/>
+            <a:ext cx="5110754" cy="3657600"/>
+          </a:xfrm>
+          <a:prstGeom prst="rect">
+            <a:avLst/>
+          </a:prstGeom>
+        </p:spPr>
+      </p:pic>
+      <p:sp>
+        <p:nvSpPr>
+          <p:cNvPr id="12" name="TextBox 11">
+            <a:extLst>
+              <a:ext uri="{FF2B5EF4-FFF2-40B4-BE49-F238E27FC236}">
+                <a16:creationId xmlns:a16="http://schemas.microsoft.com/office/drawing/2014/main" id="{282BC753-BCF0-C544-AA89-8E6EA74A0148}"/>
+              </a:ext>
+            </a:extLst>
+          </p:cNvPr>
+          <p:cNvSpPr txBox="1"/>
+          <p:nvPr/>
+        </p:nvSpPr>
+        <p:spPr>
+          <a:xfrm>
+            <a:off x="5701907" y="5537062"/>
+            <a:ext cx="1407180" cy="369332"/>
+          </a:xfrm>
+          <a:prstGeom prst="rect">
+            <a:avLst/>
+          </a:prstGeom>
+          <a:noFill/>
+        </p:spPr>
+        <p:txBody>
+          <a:bodyPr wrap="none" rtlCol="0">
+            <a:spAutoFit/>
+          </a:bodyPr>
+          <a:lstStyle/>
+          <a:p>
+            <a:r>
+              <a:rPr lang="en-US" dirty="0">
+                <a:solidFill>
+                  <a:srgbClr val="FF0000"/>
+                </a:solidFill>
+              </a:rPr>
+              <a:t>XML source</a:t>
+            </a:r>
+          </a:p>
+        </p:txBody>
+      </p:sp>
+      <p:sp>
+        <p:nvSpPr>
+          <p:cNvPr id="13" name="TextBox 12">
+            <a:extLst>
+              <a:ext uri="{FF2B5EF4-FFF2-40B4-BE49-F238E27FC236}">
+                <a16:creationId xmlns:a16="http://schemas.microsoft.com/office/drawing/2014/main" id="{5A2564C3-6753-924C-A923-17DDF4136632}"/>
+              </a:ext>
+            </a:extLst>
+          </p:cNvPr>
+          <p:cNvSpPr txBox="1"/>
+          <p:nvPr/>
+        </p:nvSpPr>
+        <p:spPr>
+          <a:xfrm>
+            <a:off x="7105193" y="6363836"/>
+            <a:ext cx="1714957" cy="369332"/>
+          </a:xfrm>
+          <a:prstGeom prst="rect">
+            <a:avLst/>
+          </a:prstGeom>
+          <a:noFill/>
+        </p:spPr>
+        <p:txBody>
+          <a:bodyPr wrap="none" rtlCol="0">
+            <a:spAutoFit/>
+          </a:bodyPr>
+          <a:lstStyle/>
+          <a:p>
+            <a:r>
+              <a:rPr lang="en-US">
+                <a:solidFill>
+                  <a:srgbClr val="FF0000"/>
+                </a:solidFill>
+              </a:rPr>
+              <a:t>XSL stylesheet</a:t>
+            </a:r>
+          </a:p>
+        </p:txBody>
+      </p:sp>
+      <p:sp>
+        <p:nvSpPr>
+          <p:cNvPr id="14" name="TextBox 13">
+            <a:extLst>
+              <a:ext uri="{FF2B5EF4-FFF2-40B4-BE49-F238E27FC236}">
+                <a16:creationId xmlns:a16="http://schemas.microsoft.com/office/drawing/2014/main" id="{CD4A9E13-A909-D447-9F17-189D54E5C520}"/>
+              </a:ext>
+            </a:extLst>
+          </p:cNvPr>
+          <p:cNvSpPr txBox="1"/>
+          <p:nvPr/>
+        </p:nvSpPr>
+        <p:spPr>
+          <a:xfrm>
+            <a:off x="3840843" y="5007050"/>
+            <a:ext cx="813043" cy="369332"/>
+          </a:xfrm>
+          <a:prstGeom prst="rect">
+            <a:avLst/>
+          </a:prstGeom>
+          <a:noFill/>
+        </p:spPr>
+        <p:txBody>
+          <a:bodyPr wrap="none" rtlCol="0">
+            <a:spAutoFit/>
+          </a:bodyPr>
+          <a:lstStyle/>
+          <a:p>
+            <a:r>
+              <a:rPr lang="en-US" dirty="0">
+                <a:solidFill>
+                  <a:srgbClr val="FF0000"/>
+                </a:solidFill>
+              </a:rPr>
+              <a:t>HTML</a:t>
+            </a:r>
           </a:p>
         </p:txBody>
       </p:sp>
     </p:spTree>
     <p:extLst>
       <p:ext uri="{BB962C8B-B14F-4D97-AF65-F5344CB8AC3E}">
-        <p14:creationId xmlns:p14="http://schemas.microsoft.com/office/powerpoint/2010/main" val="4142112680"/>
+        <p14:creationId xmlns:p14="http://schemas.microsoft.com/office/powerpoint/2010/main" val="739132605"/>
+      </p:ext>
+    </p:extLst>
+  </p:cSld>
+  <p:clrMapOvr>
+    <a:masterClrMapping/>
+  </p:clrMapOvr>
+</p:sld>
+</file>
+
+<file path=ppt/slides/slide16.xml><?xml version="1.0" encoding="utf-8"?>
+<p:sld xmlns:a="http://schemas.openxmlformats.org/drawingml/2006/main" xmlns:r="http://schemas.openxmlformats.org/officeDocument/2006/relationships" xmlns:p="http://schemas.openxmlformats.org/presentationml/2006/main">
+  <p:cSld>
+    <p:spTree>
+      <p:nvGrpSpPr>
+        <p:cNvPr id="1" name=""/>
+        <p:cNvGrpSpPr/>
+        <p:nvPr/>
+      </p:nvGrpSpPr>
+      <p:grpSpPr>
+        <a:xfrm>
+          <a:off x="0" y="0"/>
+          <a:ext cx="0" cy="0"/>
+          <a:chOff x="0" y="0"/>
+          <a:chExt cx="0" cy="0"/>
+        </a:xfrm>
+      </p:grpSpPr>
+      <p:sp>
+        <p:nvSpPr>
+          <p:cNvPr id="2" name="Title 1">
+            <a:extLst>
+              <a:ext uri="{FF2B5EF4-FFF2-40B4-BE49-F238E27FC236}">
+                <a16:creationId xmlns:a16="http://schemas.microsoft.com/office/drawing/2014/main" id="{C1E487C8-8389-394F-920B-D89A248130F9}"/>
+              </a:ext>
+            </a:extLst>
+          </p:cNvPr>
+          <p:cNvSpPr>
+            <a:spLocks noGrp="1"/>
+          </p:cNvSpPr>
+          <p:nvPr>
+            <p:ph type="title"/>
+          </p:nvPr>
+        </p:nvSpPr>
+        <p:spPr/>
+        <p:txBody>
+          <a:bodyPr/>
+          <a:lstStyle/>
+          <a:p>
+            <a:r>
+              <a:rPr lang="en-US"/>
+              <a:t>Motivation for the style guide?</a:t>
+            </a:r>
+          </a:p>
+        </p:txBody>
+      </p:sp>
+      <p:sp>
+        <p:nvSpPr>
+          <p:cNvPr id="3" name="Content Placeholder 2">
+            <a:extLst>
+              <a:ext uri="{FF2B5EF4-FFF2-40B4-BE49-F238E27FC236}">
+                <a16:creationId xmlns:a16="http://schemas.microsoft.com/office/drawing/2014/main" id="{BA9F31CD-1127-0742-8FDB-7BE9F3706468}"/>
+              </a:ext>
+            </a:extLst>
+          </p:cNvPr>
+          <p:cNvSpPr>
+            <a:spLocks noGrp="1"/>
+          </p:cNvSpPr>
+          <p:nvPr>
+            <p:ph idx="1"/>
+          </p:nvPr>
+        </p:nvSpPr>
+        <p:spPr>
+          <a:xfrm>
+            <a:off x="395288" y="1412874"/>
+            <a:ext cx="8353425" cy="5184775"/>
+          </a:xfrm>
+        </p:spPr>
+        <p:txBody>
+          <a:bodyPr/>
+          <a:lstStyle/>
+          <a:p>
+            <a:r>
+              <a:rPr lang="en-US" dirty="0"/>
+              <a:t>Google’s style guide addresses JSON’s shortcomings by specifying conventions, e.g.:</a:t>
+            </a:r>
+          </a:p>
+          <a:p>
+            <a:pPr marL="457200" lvl="1" indent="-169863"/>
+            <a:r>
+              <a:rPr lang="en-US" dirty="0"/>
+              <a:t>JSON doesn’t support objects having a unique ID which is needed to support graph structures</a:t>
+            </a:r>
+          </a:p>
+          <a:p>
+            <a:pPr marL="457200" lvl="1" indent="-169863"/>
+            <a:r>
+              <a:rPr lang="en-US" dirty="0"/>
+              <a:t>The style guide has </a:t>
+            </a:r>
+            <a:r>
+              <a:rPr lang="en-US" dirty="0" err="1"/>
+              <a:t>data.id</a:t>
+            </a:r>
+            <a:r>
+              <a:rPr lang="en-US" dirty="0"/>
+              <a:t> as a reserved property for this</a:t>
+            </a:r>
+          </a:p>
+          <a:p>
+            <a:pPr marL="457200" lvl="2" indent="-169863">
+              <a:buNone/>
+            </a:pPr>
+            <a:r>
+              <a:rPr lang="en-US" dirty="0"/>
+              <a:t>{"data": {"id": "12345"}}</a:t>
+            </a:r>
+          </a:p>
+          <a:p>
+            <a:pPr marL="287338" indent="-287338"/>
+            <a:r>
+              <a:rPr lang="en-US" dirty="0"/>
+              <a:t>Later, we’ll study </a:t>
+            </a:r>
+            <a:r>
+              <a:rPr lang="en-US"/>
+              <a:t>the W3C’s </a:t>
+            </a:r>
+            <a:r>
+              <a:rPr lang="en-US">
+                <a:hlinkClick r:id="rId2"/>
+              </a:rPr>
+              <a:t>JSON-LD</a:t>
+            </a:r>
+            <a:r>
+              <a:rPr lang="en-US"/>
+              <a:t> as a way to encode semantic web data using JSON</a:t>
+            </a:r>
+          </a:p>
+          <a:p>
+            <a:pPr marL="457200" lvl="1" indent="-169863"/>
+            <a:r>
+              <a:rPr lang="en-US" dirty="0"/>
+              <a:t>JSON-LD specifies conventions needed to represent RDF knowledge graphs in JSON</a:t>
+            </a:r>
+          </a:p>
+          <a:p>
+            <a:pPr marL="457200" lvl="1" indent="-169863"/>
+            <a:r>
+              <a:rPr lang="en-US" dirty="0"/>
+              <a:t>Today’s search engines recognize embedded JSON-LD in web pages and use the content </a:t>
+            </a:r>
+          </a:p>
+        </p:txBody>
+      </p:sp>
+    </p:spTree>
+    <p:extLst>
+      <p:ext uri="{BB962C8B-B14F-4D97-AF65-F5344CB8AC3E}">
+        <p14:creationId xmlns:p14="http://schemas.microsoft.com/office/powerpoint/2010/main" val="120219280"/>
+      </p:ext>
+    </p:extLst>
+  </p:cSld>
+  <p:clrMapOvr>
+    <a:masterClrMapping/>
+  </p:clrMapOvr>
+</p:sld>
+</file>
+
+<file path=ppt/slides/slide17.xml><?xml version="1.0" encoding="utf-8"?>
+<p:sld xmlns:a="http://schemas.openxmlformats.org/drawingml/2006/main" xmlns:r="http://schemas.openxmlformats.org/officeDocument/2006/relationships" xmlns:p="http://schemas.openxmlformats.org/presentationml/2006/main">
+  <p:cSld>
+    <p:spTree>
+      <p:nvGrpSpPr>
+        <p:cNvPr id="1" name=""/>
+        <p:cNvGrpSpPr/>
+        <p:nvPr/>
+      </p:nvGrpSpPr>
+      <p:grpSpPr>
+        <a:xfrm>
+          <a:off x="0" y="0"/>
+          <a:ext cx="0" cy="0"/>
+          <a:chOff x="0" y="0"/>
+          <a:chExt cx="0" cy="0"/>
+        </a:xfrm>
+      </p:grpSpPr>
+      <p:sp>
+        <p:nvSpPr>
+          <p:cNvPr id="2" name="Title 1">
+            <a:extLst>
+              <a:ext uri="{FF2B5EF4-FFF2-40B4-BE49-F238E27FC236}">
+                <a16:creationId xmlns:a16="http://schemas.microsoft.com/office/drawing/2014/main" id="{B86CC0D2-A084-E146-B411-3B1F5676002A}"/>
+              </a:ext>
+            </a:extLst>
+          </p:cNvPr>
+          <p:cNvSpPr>
+            <a:spLocks noGrp="1"/>
+          </p:cNvSpPr>
+          <p:nvPr>
+            <p:ph type="title"/>
+          </p:nvPr>
+        </p:nvSpPr>
+        <p:spPr/>
+        <p:txBody>
+          <a:bodyPr/>
+          <a:lstStyle/>
+          <a:p>
+            <a:r>
+              <a:rPr lang="en-US" dirty="0"/>
+              <a:t>JSON Summary</a:t>
+            </a:r>
+          </a:p>
+        </p:txBody>
+      </p:sp>
+      <p:sp>
+        <p:nvSpPr>
+          <p:cNvPr id="3" name="Content Placeholder 2">
+            <a:extLst>
+              <a:ext uri="{FF2B5EF4-FFF2-40B4-BE49-F238E27FC236}">
+                <a16:creationId xmlns:a16="http://schemas.microsoft.com/office/drawing/2014/main" id="{DA95AA0A-348A-5047-B249-11A6DB19C440}"/>
+              </a:ext>
+            </a:extLst>
+          </p:cNvPr>
+          <p:cNvSpPr>
+            <a:spLocks noGrp="1"/>
+          </p:cNvSpPr>
+          <p:nvPr>
+            <p:ph idx="1"/>
+          </p:nvPr>
+        </p:nvSpPr>
+        <p:spPr/>
+        <p:txBody>
+          <a:bodyPr/>
+          <a:lstStyle/>
+          <a:p>
+            <a:r>
+              <a:rPr lang="en-US" dirty="0"/>
+              <a:t>JSON is preferred by most people for simple data encoding and exchange</a:t>
+            </a:r>
+          </a:p>
+          <a:p>
+            <a:r>
+              <a:rPr lang="en-US" dirty="0"/>
+              <a:t>Most XML documents can be converted to JSON</a:t>
+            </a:r>
+          </a:p>
+          <a:p>
+            <a:r>
+              <a:rPr lang="en-US" dirty="0"/>
+              <a:t>Shortcomings:</a:t>
+            </a:r>
+          </a:p>
+          <a:p>
+            <a:pPr lvl="1"/>
+            <a:r>
+              <a:rPr lang="en-US" dirty="0"/>
+              <a:t>No standard schema mechanism</a:t>
+            </a:r>
+          </a:p>
+          <a:p>
+            <a:pPr lvl="1"/>
+            <a:r>
+              <a:rPr lang="en-US" dirty="0"/>
+              <a:t>No stylesheets</a:t>
+            </a:r>
+          </a:p>
+          <a:p>
+            <a:pPr lvl="1"/>
+            <a:r>
+              <a:rPr lang="en-US" dirty="0"/>
+              <a:t>Available datatypes are very simple</a:t>
+            </a:r>
+          </a:p>
+          <a:p>
+            <a:pPr lvl="1"/>
+            <a:r>
+              <a:rPr lang="en-US" dirty="0"/>
+              <a:t>No semantics, e.g., no type system, cannot say spouse is a symmetric relation, grandparent = parent of parent</a:t>
+            </a:r>
+          </a:p>
+          <a:p>
+            <a:r>
+              <a:rPr lang="en-US" dirty="0"/>
+              <a:t>Good example of </a:t>
+            </a:r>
+            <a:r>
+              <a:rPr lang="en-US" i="1" dirty="0"/>
+              <a:t>worse is better</a:t>
+            </a:r>
+          </a:p>
+        </p:txBody>
+      </p:sp>
+    </p:spTree>
+    <p:extLst>
+      <p:ext uri="{BB962C8B-B14F-4D97-AF65-F5344CB8AC3E}">
+        <p14:creationId xmlns:p14="http://schemas.microsoft.com/office/powerpoint/2010/main" val="1592627985"/>
       </p:ext>
     </p:extLst>
   </p:cSld>
@@ -5422,7 +6007,7 @@
             </a:pPr>
             <a:r>
               <a:rPr lang="en-US" sz="3200" dirty="0"/>
-              <a:t>Not tied tied to Javascript or Web</a:t>
+              <a:t>Not tied tied to JavaScript or Web</a:t>
             </a:r>
           </a:p>
         </p:txBody>
@@ -5505,15 +6090,7 @@
             </a:pPr>
             <a:r>
               <a:rPr lang="en-US" sz="2000" dirty="0"/>
-              <a:t>{"</a:t>
-            </a:r>
-            <a:r>
-              <a:rPr lang="en-US" sz="2000" dirty="0" err="1"/>
-              <a:t>firstName</a:t>
-            </a:r>
-            <a:r>
-              <a:rPr lang="en-US" sz="2000" dirty="0"/>
-              <a:t>": "John",</a:t>
+              <a:t>{"firstName": "John",</a:t>
             </a:r>
           </a:p>
           <a:p>
@@ -5523,15 +6100,7 @@
             </a:pPr>
             <a:r>
               <a:rPr lang="en-US" sz="2000" dirty="0"/>
-              <a:t> "</a:t>
-            </a:r>
-            <a:r>
-              <a:rPr lang="en-US" sz="2000" dirty="0" err="1"/>
-              <a:t>lastName</a:t>
-            </a:r>
-            <a:r>
-              <a:rPr lang="en-US" sz="2000" dirty="0"/>
-              <a:t>" : "Smith",</a:t>
+              <a:t> "lastName" : "Smith",</a:t>
             </a:r>
           </a:p>
           <a:p>
@@ -5561,15 +6130,7 @@
             </a:pPr>
             <a:r>
               <a:rPr lang="en-US" sz="2000" dirty="0"/>
-              <a:t>    {"</a:t>
-            </a:r>
-            <a:r>
-              <a:rPr lang="en-US" sz="2000" dirty="0" err="1"/>
-              <a:t>streetAdr</a:t>
-            </a:r>
-            <a:r>
-              <a:rPr lang="en-US" sz="2000" dirty="0"/>
-              <a:t>” : "21 2nd Street",</a:t>
+              <a:t>    {"streetAdr” : "21 2nd Street",</a:t>
             </a:r>
           </a:p>
           <a:p>
@@ -5609,15 +6170,7 @@
             </a:pPr>
             <a:r>
               <a:rPr lang="en-US" sz="2000" dirty="0"/>
-              <a:t> "</a:t>
-            </a:r>
-            <a:r>
-              <a:rPr lang="en-US" sz="2000" dirty="0" err="1"/>
-              <a:t>phoneNumber</a:t>
-            </a:r>
-            <a:r>
-              <a:rPr lang="en-US" sz="2000" dirty="0"/>
-              <a:t>":</a:t>
+              <a:t> "phoneNumber":</a:t>
             </a:r>
           </a:p>
           <a:p>
@@ -5694,17 +6247,17 @@
           </a:ln>
           <a:extLst>
             <a:ext uri="{FAA26D3D-D897-4be2-8F04-BA451C77F1D7}">
-              <ma14:placeholderFlag xmlns="" xmlns:ma14="http://schemas.microsoft.com/office/mac/drawingml/2011/main" val="1"/>
+              <ma14:placeholderFlag xmlns:ma14="http://schemas.microsoft.com/office/mac/drawingml/2011/main" xmlns="" val="1"/>
             </a:ext>
             <a:ext uri="{909E8E84-426E-40dd-AFC4-6F175D3DCCD1}">
-              <a14:hiddenFill xmlns:a14="http://schemas.microsoft.com/office/drawing/2010/main" xmlns="">
+              <a14:hiddenFill xmlns="" xmlns:a14="http://schemas.microsoft.com/office/drawing/2010/main">
                 <a:solidFill>
                   <a:srgbClr val="FFFFFF"/>
                 </a:solidFill>
               </a14:hiddenFill>
             </a:ext>
             <a:ext uri="{91240B29-F687-4f45-9708-019B960494DF}">
-              <a14:hiddenLine xmlns:a14="http://schemas.microsoft.com/office/drawing/2010/main" xmlns="" w="9525">
+              <a14:hiddenLine xmlns="" xmlns:a14="http://schemas.microsoft.com/office/drawing/2010/main" w="9525">
                 <a:solidFill>
                   <a:srgbClr val="000000"/>
                 </a:solidFill>
@@ -6079,14 +6632,14 @@
           </a:ln>
           <a:extLst>
             <a:ext uri="{909E8E84-426E-40dd-AFC4-6F175D3DCCD1}">
-              <a14:hiddenFill xmlns:a14="http://schemas.microsoft.com/office/drawing/2010/main" xmlns="">
+              <a14:hiddenFill xmlns="" xmlns:a14="http://schemas.microsoft.com/office/drawing/2010/main">
                 <a:solidFill>
                   <a:srgbClr val="FFFFFF"/>
                 </a:solidFill>
               </a14:hiddenFill>
             </a:ext>
             <a:ext uri="{91240B29-F687-4f45-9708-019B960494DF}">
-              <a14:hiddenLine xmlns:a14="http://schemas.microsoft.com/office/drawing/2010/main" xmlns="" w="9525">
+              <a14:hiddenLine xmlns="" xmlns:a14="http://schemas.microsoft.com/office/drawing/2010/main" w="9525">
                 <a:solidFill>
                   <a:srgbClr val="000000"/>
                 </a:solidFill>
@@ -6133,14 +6686,14 @@
           </a:ln>
           <a:extLst>
             <a:ext uri="{909E8E84-426E-40dd-AFC4-6F175D3DCCD1}">
-              <a14:hiddenFill xmlns:a14="http://schemas.microsoft.com/office/drawing/2010/main" xmlns="">
+              <a14:hiddenFill xmlns="" xmlns:a14="http://schemas.microsoft.com/office/drawing/2010/main">
                 <a:solidFill>
                   <a:srgbClr val="FFFFFF"/>
                 </a:solidFill>
               </a14:hiddenFill>
             </a:ext>
             <a:ext uri="{91240B29-F687-4f45-9708-019B960494DF}">
-              <a14:hiddenLine xmlns:a14="http://schemas.microsoft.com/office/drawing/2010/main" xmlns="" w="9525">
+              <a14:hiddenLine xmlns="" xmlns:a14="http://schemas.microsoft.com/office/drawing/2010/main" w="9525">
                 <a:solidFill>
                   <a:srgbClr val="000000"/>
                 </a:solidFill>
@@ -6187,14 +6740,14 @@
           </a:ln>
           <a:extLst>
             <a:ext uri="{909E8E84-426E-40dd-AFC4-6F175D3DCCD1}">
-              <a14:hiddenFill xmlns:a14="http://schemas.microsoft.com/office/drawing/2010/main" xmlns="">
+              <a14:hiddenFill xmlns="" xmlns:a14="http://schemas.microsoft.com/office/drawing/2010/main">
                 <a:solidFill>
                   <a:srgbClr val="FFFFFF"/>
                 </a:solidFill>
               </a14:hiddenFill>
             </a:ext>
             <a:ext uri="{91240B29-F687-4f45-9708-019B960494DF}">
-              <a14:hiddenLine xmlns:a14="http://schemas.microsoft.com/office/drawing/2010/main" xmlns="" w="9525">
+              <a14:hiddenLine xmlns="" xmlns:a14="http://schemas.microsoft.com/office/drawing/2010/main" w="9525">
                 <a:solidFill>
                   <a:srgbClr val="000000"/>
                 </a:solidFill>
@@ -6461,15 +7014,7 @@
           <a:p>
             <a:r>
               <a:rPr lang="en-US" sz="3200" dirty="0"/>
-              <a:t>Schemas? We don’t need no </a:t>
-            </a:r>
-            <a:r>
-              <a:rPr lang="en-US" sz="3200" dirty="0" err="1"/>
-              <a:t>stinkin</a:t>
-            </a:r>
-            <a:r>
-              <a:rPr lang="en-US" sz="3200" dirty="0"/>
-              <a:t> schemas!*</a:t>
+              <a:t>Schemas? We don’t need no stinkin schemas!*</a:t>
             </a:r>
           </a:p>
           <a:p>
@@ -6581,37 +7126,13 @@
           <a:p>
             <a:r>
               <a:rPr lang="en-US" dirty="0"/>
-              <a:t>{  "id": "http://</a:t>
-            </a:r>
-            <a:r>
-              <a:rPr lang="en-US" dirty="0" err="1"/>
-              <a:t>ex.com</a:t>
-            </a:r>
+              <a:t>{  "id": "http://ex.com/geo-location.schema.json",</a:t>
+            </a:r>
+          </a:p>
+          <a:p>
             <a:r>
               <a:rPr lang="en-US" dirty="0"/>
-              <a:t>/geo-</a:t>
-            </a:r>
-            <a:r>
-              <a:rPr lang="en-US" dirty="0" err="1"/>
-              <a:t>location.schema.json</a:t>
-            </a:r>
-            <a:r>
-              <a:rPr lang="en-US" dirty="0"/>
-              <a:t>",</a:t>
-            </a:r>
-          </a:p>
-          <a:p>
-            <a:r>
-              <a:rPr lang="en-US" dirty="0"/>
-              <a:t>   "$schema": "http://</a:t>
-            </a:r>
-            <a:r>
-              <a:rPr lang="en-US" dirty="0" err="1"/>
-              <a:t>json-schema.org</a:t>
-            </a:r>
-            <a:r>
-              <a:rPr lang="en-US" dirty="0"/>
-              <a:t>/draft-07/schema#",</a:t>
+              <a:t>   "$schema": "http://json-schema.org/draft-07/schema#",</a:t>
             </a:r>
           </a:p>
           <a:p>
@@ -6997,15 +7518,7 @@
             </a:pPr>
             <a:r>
               <a:rPr lang="en-US" sz="1800" dirty="0"/>
-              <a:t>    "name": "http://</a:t>
-            </a:r>
-            <a:r>
-              <a:rPr lang="en-US" sz="1800" dirty="0" err="1"/>
-              <a:t>xmlns.com</a:t>
-            </a:r>
-            <a:r>
-              <a:rPr lang="en-US" sz="1800" dirty="0"/>
-              <a:t>/foaf/0.1/name",</a:t>
+              <a:t>    "name": "http://xmlns.com/foaf/0.1/name",</a:t>
             </a:r>
           </a:p>
           <a:p>
@@ -7025,23 +7538,7 @@
             </a:pPr>
             <a:r>
               <a:rPr lang="en-US" sz="1800" dirty="0"/>
-              <a:t>      "@id": "http://</a:t>
-            </a:r>
-            <a:r>
-              <a:rPr lang="en-US" sz="1800" dirty="0" err="1"/>
-              <a:t>xmlns.com</a:t>
-            </a:r>
-            <a:r>
-              <a:rPr lang="en-US" sz="1800" dirty="0"/>
-              <a:t>/foaf/0.1/</a:t>
-            </a:r>
-            <a:r>
-              <a:rPr lang="en-US" sz="1800" dirty="0" err="1"/>
-              <a:t>workplaceHomepage</a:t>
-            </a:r>
-            <a:r>
-              <a:rPr lang="en-US" sz="1800" dirty="0"/>
-              <a:t>",</a:t>
+              <a:t>      "@id": "http://xmlns.com/foaf/0.1/workplaceHomepage",</a:t>
             </a:r>
           </a:p>
           <a:p>
@@ -7071,15 +7568,7 @@
             </a:pPr>
             <a:r>
               <a:rPr lang="en-US" sz="1800" dirty="0"/>
-              <a:t>    "Person": "http://</a:t>
-            </a:r>
-            <a:r>
-              <a:rPr lang="en-US" sz="1800" dirty="0" err="1"/>
-              <a:t>xmlns.com</a:t>
-            </a:r>
-            <a:r>
-              <a:rPr lang="en-US" sz="1800" dirty="0"/>
-              <a:t>/foaf/0.1/Person"</a:t>
+              <a:t>    "Person": "http://xmlns.com/foaf/0.1/Person"</a:t>
             </a:r>
           </a:p>
           <a:p>
@@ -7099,15 +7588,7 @@
             </a:pPr>
             <a:r>
               <a:rPr lang="en-US" sz="1800" dirty="0"/>
-              <a:t>  "@id": "http://</a:t>
-            </a:r>
-            <a:r>
-              <a:rPr lang="en-US" sz="1800" dirty="0" err="1"/>
-              <a:t>me.markus-lanthaler.com</a:t>
-            </a:r>
-            <a:r>
-              <a:rPr lang="en-US" sz="1800" dirty="0"/>
-              <a:t>",</a:t>
+              <a:t>  "@id": "http://me.markus-lanthaler.com",</a:t>
             </a:r>
           </a:p>
           <a:p>
@@ -7127,15 +7608,7 @@
             </a:pPr>
             <a:r>
               <a:rPr lang="en-US" sz="1800" dirty="0"/>
-              <a:t>  "name": "Markus </a:t>
-            </a:r>
-            <a:r>
-              <a:rPr lang="en-US" sz="1800" dirty="0" err="1"/>
-              <a:t>Lanthaler</a:t>
-            </a:r>
-            <a:r>
-              <a:rPr lang="en-US" sz="1800" dirty="0"/>
-              <a:t>",</a:t>
+              <a:t>  "name": "Markus Lanthaler",</a:t>
             </a:r>
           </a:p>
           <a:p>
@@ -7145,15 +7618,7 @@
             </a:pPr>
             <a:r>
               <a:rPr lang="en-US" sz="1800" dirty="0"/>
-              <a:t>  "homepage": "http://</a:t>
-            </a:r>
-            <a:r>
-              <a:rPr lang="en-US" sz="1800" dirty="0" err="1"/>
-              <a:t>www.tugraz.at</a:t>
-            </a:r>
-            <a:r>
-              <a:rPr lang="en-US" sz="1800" dirty="0"/>
-              <a:t>/"</a:t>
+              <a:t>  "homepage": "http://www.tugraz.at/"</a:t>
             </a:r>
           </a:p>
           <a:p>
